--- a/61秒视频项目方案.pptx
+++ b/61秒视频项目方案.pptx
@@ -2,10 +2,19 @@
 <file path=ppt/presentation.xml><?xml version="1.0" encoding="utf-8"?>
 <p:presentation xmlns:a="http://schemas.openxmlformats.org/drawingml/2006/main" xmlns:r="http://schemas.openxmlformats.org/officeDocument/2006/relationships" xmlns:p="http://schemas.openxmlformats.org/presentationml/2006/main" autoCompressPictures="0">
   <p:sldMasterIdLst>
-    <p:sldMasterId id="2147483840" r:id="rId1"/>
+    <p:sldMasterId id="2147483648" r:id="rId1"/>
   </p:sldMasterIdLst>
+  <p:notesMasterIdLst>
+    <p:notesMasterId r:id="rId5"/>
+  </p:notesMasterIdLst>
   <p:sldIdLst>
-    <p:sldId id="256" r:id="rId2"/>
+    <p:sldId id="256" r:id="rId3"/>
+    <p:sldId id="257" r:id="rId4"/>
+    <p:sldId id="258" r:id="rId6"/>
+    <p:sldId id="259" r:id="rId7"/>
+    <p:sldId id="260" r:id="rId8"/>
+    <p:sldId id="261" r:id="rId9"/>
+    <p:sldId id="262" r:id="rId10"/>
   </p:sldIdLst>
   <p:sldSz cx="12192000" cy="6858000"/>
   <p:notesSz cx="6858000" cy="9144000"/>
@@ -107,8 +116,399 @@
 </p:presentation>
 </file>
 
+<file path=ppt/notesMasters/notesMaster1.xml><?xml version="1.0" encoding="utf-8"?>
+<p:notesMaster xmlns:a="http://schemas.openxmlformats.org/drawingml/2006/main" xmlns:r="http://schemas.openxmlformats.org/officeDocument/2006/relationships" xmlns:p="http://schemas.openxmlformats.org/presentationml/2006/main">
+  <p:cSld>
+    <p:bg>
+      <p:bgRef idx="1001">
+        <a:schemeClr val="bg1"/>
+      </p:bgRef>
+    </p:bg>
+    <p:spTree>
+      <p:nvGrpSpPr>
+        <p:cNvPr id="1" name=""/>
+        <p:cNvGrpSpPr/>
+        <p:nvPr/>
+      </p:nvGrpSpPr>
+      <p:grpSpPr>
+        <a:xfrm>
+          <a:off x="0" y="0"/>
+          <a:ext cx="0" cy="0"/>
+          <a:chOff x="0" y="0"/>
+          <a:chExt cx="0" cy="0"/>
+        </a:xfrm>
+      </p:grpSpPr>
+      <p:sp>
+        <p:nvSpPr>
+          <p:cNvPr id="2" name="页眉占位符 1"/>
+          <p:cNvSpPr>
+            <a:spLocks noGrp="1"/>
+          </p:cNvSpPr>
+          <p:nvPr>
+            <p:ph type="hdr" sz="quarter"/>
+          </p:nvPr>
+        </p:nvSpPr>
+        <p:spPr>
+          <a:xfrm>
+            <a:off x="0" y="0"/>
+            <a:ext cx="2971800" cy="458788"/>
+          </a:xfrm>
+          <a:prstGeom prst="rect">
+            <a:avLst/>
+          </a:prstGeom>
+        </p:spPr>
+        <p:txBody>
+          <a:bodyPr vert="horz" lIns="91440" tIns="45720" rIns="91440" bIns="45720" rtlCol="0"/>
+          <a:lstStyle>
+            <a:lvl1pPr algn="l">
+              <a:defRPr sz="1200"/>
+            </a:lvl1pPr>
+          </a:lstStyle>
+          <a:p>
+            <a:endParaRPr lang="zh-CN" altLang="en-US"/>
+          </a:p>
+        </p:txBody>
+      </p:sp>
+      <p:sp>
+        <p:nvSpPr>
+          <p:cNvPr id="3" name="日期占位符 2"/>
+          <p:cNvSpPr>
+            <a:spLocks noGrp="1"/>
+          </p:cNvSpPr>
+          <p:nvPr>
+            <p:ph type="dt" idx="1"/>
+          </p:nvPr>
+        </p:nvSpPr>
+        <p:spPr>
+          <a:xfrm>
+            <a:off x="3884613" y="0"/>
+            <a:ext cx="2971800" cy="458788"/>
+          </a:xfrm>
+          <a:prstGeom prst="rect">
+            <a:avLst/>
+          </a:prstGeom>
+        </p:spPr>
+        <p:txBody>
+          <a:bodyPr vert="horz" lIns="91440" tIns="45720" rIns="91440" bIns="45720" rtlCol="0"/>
+          <a:lstStyle>
+            <a:lvl1pPr algn="r">
+              <a:defRPr sz="1200"/>
+            </a:lvl1pPr>
+          </a:lstStyle>
+          <a:p>
+            <a:fld id="{D2A48B96-639E-45A3-A0BA-2464DFDB1FAA}" type="datetimeFigureOut">
+              <a:rPr lang="zh-CN" altLang="en-US" smtClean="0"/>
+            </a:fld>
+            <a:endParaRPr lang="zh-CN" altLang="en-US"/>
+          </a:p>
+        </p:txBody>
+      </p:sp>
+      <p:sp>
+        <p:nvSpPr>
+          <p:cNvPr id="4" name="幻灯片图像占位符 3"/>
+          <p:cNvSpPr>
+            <a:spLocks noGrp="1" noRot="1" noChangeAspect="1"/>
+          </p:cNvSpPr>
+          <p:nvPr>
+            <p:ph type="sldImg" idx="2"/>
+          </p:nvPr>
+        </p:nvSpPr>
+        <p:spPr>
+          <a:xfrm>
+            <a:off x="685800" y="1143000"/>
+            <a:ext cx="5486400" cy="3086100"/>
+          </a:xfrm>
+          <a:prstGeom prst="rect">
+            <a:avLst/>
+          </a:prstGeom>
+          <a:noFill/>
+          <a:ln w="12700">
+            <a:solidFill>
+              <a:prstClr val="black"/>
+            </a:solidFill>
+          </a:ln>
+        </p:spPr>
+        <p:txBody>
+          <a:bodyPr vert="horz" lIns="91440" tIns="45720" rIns="91440" bIns="45720" rtlCol="0" anchor="ctr"/>
+          <a:lstStyle/>
+          <a:p>
+            <a:endParaRPr lang="zh-CN" altLang="en-US"/>
+          </a:p>
+        </p:txBody>
+      </p:sp>
+      <p:sp>
+        <p:nvSpPr>
+          <p:cNvPr id="5" name="备注占位符 4"/>
+          <p:cNvSpPr>
+            <a:spLocks noGrp="1"/>
+          </p:cNvSpPr>
+          <p:nvPr>
+            <p:ph type="body" sz="quarter" idx="3"/>
+          </p:nvPr>
+        </p:nvSpPr>
+        <p:spPr>
+          <a:xfrm>
+            <a:off x="685800" y="4400550"/>
+            <a:ext cx="5486400" cy="3600450"/>
+          </a:xfrm>
+          <a:prstGeom prst="rect">
+            <a:avLst/>
+          </a:prstGeom>
+        </p:spPr>
+        <p:txBody>
+          <a:bodyPr vert="horz" lIns="91440" tIns="45720" rIns="91440" bIns="45720" rtlCol="0"/>
+          <a:lstStyle/>
+          <a:p>
+            <a:pPr lvl="0"/>
+            <a:r>
+              <a:rPr lang="zh-CN" altLang="en-US" smtClean="0"/>
+              <a:t>单击此处编辑母版文本样式</a:t>
+            </a:r>
+            <a:endParaRPr lang="zh-CN" altLang="en-US" smtClean="0"/>
+          </a:p>
+          <a:p>
+            <a:pPr lvl="1"/>
+            <a:r>
+              <a:rPr lang="zh-CN" altLang="en-US" smtClean="0"/>
+              <a:t>第二级</a:t>
+            </a:r>
+            <a:endParaRPr lang="zh-CN" altLang="en-US" smtClean="0"/>
+          </a:p>
+          <a:p>
+            <a:pPr lvl="2"/>
+            <a:r>
+              <a:rPr lang="zh-CN" altLang="en-US" smtClean="0"/>
+              <a:t>第三级</a:t>
+            </a:r>
+            <a:endParaRPr lang="zh-CN" altLang="en-US" smtClean="0"/>
+          </a:p>
+          <a:p>
+            <a:pPr lvl="3"/>
+            <a:r>
+              <a:rPr lang="zh-CN" altLang="en-US" smtClean="0"/>
+              <a:t>第四级</a:t>
+            </a:r>
+            <a:endParaRPr lang="zh-CN" altLang="en-US" smtClean="0"/>
+          </a:p>
+          <a:p>
+            <a:pPr lvl="4"/>
+            <a:r>
+              <a:rPr lang="zh-CN" altLang="en-US" smtClean="0"/>
+              <a:t>第五级</a:t>
+            </a:r>
+            <a:endParaRPr lang="zh-CN" altLang="en-US"/>
+          </a:p>
+        </p:txBody>
+      </p:sp>
+      <p:sp>
+        <p:nvSpPr>
+          <p:cNvPr id="6" name="页脚占位符 5"/>
+          <p:cNvSpPr>
+            <a:spLocks noGrp="1"/>
+          </p:cNvSpPr>
+          <p:nvPr>
+            <p:ph type="ftr" sz="quarter" idx="4"/>
+          </p:nvPr>
+        </p:nvSpPr>
+        <p:spPr>
+          <a:xfrm>
+            <a:off x="0" y="8685213"/>
+            <a:ext cx="2971800" cy="458787"/>
+          </a:xfrm>
+          <a:prstGeom prst="rect">
+            <a:avLst/>
+          </a:prstGeom>
+        </p:spPr>
+        <p:txBody>
+          <a:bodyPr vert="horz" lIns="91440" tIns="45720" rIns="91440" bIns="45720" rtlCol="0" anchor="b"/>
+          <a:lstStyle>
+            <a:lvl1pPr algn="l">
+              <a:defRPr sz="1200"/>
+            </a:lvl1pPr>
+          </a:lstStyle>
+          <a:p>
+            <a:endParaRPr lang="zh-CN" altLang="en-US"/>
+          </a:p>
+        </p:txBody>
+      </p:sp>
+      <p:sp>
+        <p:nvSpPr>
+          <p:cNvPr id="7" name="灯片编号占位符 6"/>
+          <p:cNvSpPr>
+            <a:spLocks noGrp="1"/>
+          </p:cNvSpPr>
+          <p:nvPr>
+            <p:ph type="sldNum" sz="quarter" idx="5"/>
+          </p:nvPr>
+        </p:nvSpPr>
+        <p:spPr>
+          <a:xfrm>
+            <a:off x="3884613" y="8685213"/>
+            <a:ext cx="2971800" cy="458787"/>
+          </a:xfrm>
+          <a:prstGeom prst="rect">
+            <a:avLst/>
+          </a:prstGeom>
+        </p:spPr>
+        <p:txBody>
+          <a:bodyPr vert="horz" lIns="91440" tIns="45720" rIns="91440" bIns="45720" rtlCol="0" anchor="b"/>
+          <a:lstStyle>
+            <a:lvl1pPr algn="r">
+              <a:defRPr sz="1200"/>
+            </a:lvl1pPr>
+          </a:lstStyle>
+          <a:p>
+            <a:fld id="{A6837353-30EB-4A48-80EB-173D804AEFBD}" type="slidenum">
+              <a:rPr lang="zh-CN" altLang="en-US" smtClean="0"/>
+            </a:fld>
+            <a:endParaRPr lang="zh-CN" altLang="en-US"/>
+          </a:p>
+        </p:txBody>
+      </p:sp>
+    </p:spTree>
+  </p:cSld>
+  <p:clrMap bg1="lt1" tx1="dk1" bg2="lt2" tx2="dk2" accent1="accent1" accent2="accent2" accent3="accent3" accent4="accent4" accent5="accent5" accent6="accent6" hlink="hlink" folHlink="folHlink"/>
+  <p:notesStyle>
+    <a:lvl1pPr marL="0" algn="l" defTabSz="914400" rtl="0" eaLnBrk="1" latinLnBrk="0" hangingPunct="1">
+      <a:defRPr sz="1200" kern="1200">
+        <a:solidFill>
+          <a:schemeClr val="tx1"/>
+        </a:solidFill>
+        <a:latin typeface="+mn-lt"/>
+        <a:ea typeface="+mn-ea"/>
+        <a:cs typeface="+mn-cs"/>
+      </a:defRPr>
+    </a:lvl1pPr>
+    <a:lvl2pPr marL="457200" algn="l" defTabSz="914400" rtl="0" eaLnBrk="1" latinLnBrk="0" hangingPunct="1">
+      <a:defRPr sz="1200" kern="1200">
+        <a:solidFill>
+          <a:schemeClr val="tx1"/>
+        </a:solidFill>
+        <a:latin typeface="+mn-lt"/>
+        <a:ea typeface="+mn-ea"/>
+        <a:cs typeface="+mn-cs"/>
+      </a:defRPr>
+    </a:lvl2pPr>
+    <a:lvl3pPr marL="914400" algn="l" defTabSz="914400" rtl="0" eaLnBrk="1" latinLnBrk="0" hangingPunct="1">
+      <a:defRPr sz="1200" kern="1200">
+        <a:solidFill>
+          <a:schemeClr val="tx1"/>
+        </a:solidFill>
+        <a:latin typeface="+mn-lt"/>
+        <a:ea typeface="+mn-ea"/>
+        <a:cs typeface="+mn-cs"/>
+      </a:defRPr>
+    </a:lvl3pPr>
+    <a:lvl4pPr marL="1371600" algn="l" defTabSz="914400" rtl="0" eaLnBrk="1" latinLnBrk="0" hangingPunct="1">
+      <a:defRPr sz="1200" kern="1200">
+        <a:solidFill>
+          <a:schemeClr val="tx1"/>
+        </a:solidFill>
+        <a:latin typeface="+mn-lt"/>
+        <a:ea typeface="+mn-ea"/>
+        <a:cs typeface="+mn-cs"/>
+      </a:defRPr>
+    </a:lvl4pPr>
+    <a:lvl5pPr marL="1828800" algn="l" defTabSz="914400" rtl="0" eaLnBrk="1" latinLnBrk="0" hangingPunct="1">
+      <a:defRPr sz="1200" kern="1200">
+        <a:solidFill>
+          <a:schemeClr val="tx1"/>
+        </a:solidFill>
+        <a:latin typeface="+mn-lt"/>
+        <a:ea typeface="+mn-ea"/>
+        <a:cs typeface="+mn-cs"/>
+      </a:defRPr>
+    </a:lvl5pPr>
+    <a:lvl6pPr marL="2286000" algn="l" defTabSz="914400" rtl="0" eaLnBrk="1" latinLnBrk="0" hangingPunct="1">
+      <a:defRPr sz="1200" kern="1200">
+        <a:solidFill>
+          <a:schemeClr val="tx1"/>
+        </a:solidFill>
+        <a:latin typeface="+mn-lt"/>
+        <a:ea typeface="+mn-ea"/>
+        <a:cs typeface="+mn-cs"/>
+      </a:defRPr>
+    </a:lvl6pPr>
+    <a:lvl7pPr marL="2743200" algn="l" defTabSz="914400" rtl="0" eaLnBrk="1" latinLnBrk="0" hangingPunct="1">
+      <a:defRPr sz="1200" kern="1200">
+        <a:solidFill>
+          <a:schemeClr val="tx1"/>
+        </a:solidFill>
+        <a:latin typeface="+mn-lt"/>
+        <a:ea typeface="+mn-ea"/>
+        <a:cs typeface="+mn-cs"/>
+      </a:defRPr>
+    </a:lvl7pPr>
+    <a:lvl8pPr marL="3200400" algn="l" defTabSz="914400" rtl="0" eaLnBrk="1" latinLnBrk="0" hangingPunct="1">
+      <a:defRPr sz="1200" kern="1200">
+        <a:solidFill>
+          <a:schemeClr val="tx1"/>
+        </a:solidFill>
+        <a:latin typeface="+mn-lt"/>
+        <a:ea typeface="+mn-ea"/>
+        <a:cs typeface="+mn-cs"/>
+      </a:defRPr>
+    </a:lvl8pPr>
+    <a:lvl9pPr marL="3657600" algn="l" defTabSz="914400" rtl="0" eaLnBrk="1" latinLnBrk="0" hangingPunct="1">
+      <a:defRPr sz="1200" kern="1200">
+        <a:solidFill>
+          <a:schemeClr val="tx1"/>
+        </a:solidFill>
+        <a:latin typeface="+mn-lt"/>
+        <a:ea typeface="+mn-ea"/>
+        <a:cs typeface="+mn-cs"/>
+      </a:defRPr>
+    </a:lvl9pPr>
+  </p:notesStyle>
+</p:notesMaster>
+</file>
+
+<file path=ppt/notesSlides/notesSlide1.xml><?xml version="1.0" encoding="utf-8"?>
+<p:notes xmlns:a="http://schemas.openxmlformats.org/drawingml/2006/main" xmlns:r="http://schemas.openxmlformats.org/officeDocument/2006/relationships" xmlns:p="http://schemas.openxmlformats.org/presentationml/2006/main">
+  <p:cSld>
+    <p:spTree>
+      <p:nvGrpSpPr>
+        <p:cNvPr id="1" name=""/>
+        <p:cNvGrpSpPr/>
+        <p:nvPr/>
+      </p:nvGrpSpPr>
+      <p:grpSpPr/>
+      <p:sp>
+        <p:nvSpPr>
+          <p:cNvPr id="2" name="幻灯片图像占位符 1"/>
+          <p:cNvSpPr/>
+          <p:nvPr>
+            <p:ph type="sldImg" idx="2"/>
+          </p:nvPr>
+        </p:nvSpPr>
+        <p:spPr/>
+      </p:sp>
+      <p:sp>
+        <p:nvSpPr>
+          <p:cNvPr id="3" name="文本占位符 2"/>
+          <p:cNvSpPr/>
+          <p:nvPr>
+            <p:ph type="body" idx="3"/>
+          </p:nvPr>
+        </p:nvSpPr>
+        <p:spPr/>
+        <p:txBody>
+          <a:bodyPr/>
+          <a:p>
+            <a:endParaRPr lang="zh-CN" altLang="en-US"/>
+          </a:p>
+        </p:txBody>
+      </p:sp>
+    </p:spTree>
+  </p:cSld>
+  <p:clrMapOvr>
+    <a:masterClrMapping/>
+  </p:clrMapOvr>
+</p:notes>
+</file>
+
 <file path=ppt/slideLayouts/slideLayout1.xml><?xml version="1.0" encoding="utf-8"?>
-<p:sldLayout xmlns:a="http://schemas.openxmlformats.org/drawingml/2006/main" xmlns:r="http://schemas.openxmlformats.org/officeDocument/2006/relationships" xmlns:p="http://schemas.openxmlformats.org/presentationml/2006/main" showMasterSp="0" type="title" preserve="1">
+<p:sldLayout xmlns:a="http://schemas.openxmlformats.org/drawingml/2006/main" xmlns:r="http://schemas.openxmlformats.org/officeDocument/2006/relationships" xmlns:p="http://schemas.openxmlformats.org/presentationml/2006/main" type="title" preserve="1" showMasterSp="0">
   <p:cSld name="Title Slide">
     <p:spTree>
       <p:nvGrpSpPr>
@@ -331,8 +731,6 @@
           <a:p>
             <a:fld id="{5586B75A-687E-405C-8A0B-8D00578BA2C3}" type="datetimeFigureOut">
               <a:rPr lang="en-US" dirty="0"/>
-              <a:pPr/>
-              <a:t>10/26/2017</a:t>
             </a:fld>
             <a:endParaRPr lang="en-US" dirty="0"/>
           </a:p>
@@ -374,8 +772,6 @@
           <a:p>
             <a:fld id="{4FAB73BC-B049-4115-A692-8D63A059BFB8}" type="slidenum">
               <a:rPr lang="en-US" dirty="0"/>
-              <a:pPr/>
-              <a:t>‹#›</a:t>
             </a:fld>
             <a:endParaRPr lang="en-US" dirty="0"/>
           </a:p>
@@ -449,6 +845,7 @@
               <a:rPr lang="en-US" altLang="zh-CN"/>
               <a:t>Edit Master text styles</a:t>
             </a:r>
+            <a:endParaRPr lang="en-US" altLang="zh-CN"/>
           </a:p>
           <a:p>
             <a:pPr lvl="1"/>
@@ -456,6 +853,7 @@
               <a:rPr lang="en-US" altLang="zh-CN"/>
               <a:t>Second level</a:t>
             </a:r>
+            <a:endParaRPr lang="en-US" altLang="zh-CN"/>
           </a:p>
           <a:p>
             <a:pPr lvl="2"/>
@@ -463,6 +861,7 @@
               <a:rPr lang="en-US" altLang="zh-CN"/>
               <a:t>Third level</a:t>
             </a:r>
+            <a:endParaRPr lang="en-US" altLang="zh-CN"/>
           </a:p>
           <a:p>
             <a:pPr lvl="3"/>
@@ -470,6 +869,7 @@
               <a:rPr lang="en-US" altLang="zh-CN"/>
               <a:t>Fourth level</a:t>
             </a:r>
+            <a:endParaRPr lang="en-US" altLang="zh-CN"/>
           </a:p>
           <a:p>
             <a:pPr lvl="4"/>
@@ -498,8 +898,6 @@
           <a:p>
             <a:fld id="{5586B75A-687E-405C-8A0B-8D00578BA2C3}" type="datetimeFigureOut">
               <a:rPr lang="en-US" dirty="0"/>
-              <a:pPr/>
-              <a:t>10/26/2017</a:t>
             </a:fld>
             <a:endParaRPr lang="en-US" dirty="0"/>
           </a:p>
@@ -541,8 +939,6 @@
           <a:p>
             <a:fld id="{4FAB73BC-B049-4115-A692-8D63A059BFB8}" type="slidenum">
               <a:rPr lang="en-US" dirty="0"/>
-              <a:pPr/>
-              <a:t>‹#›</a:t>
             </a:fld>
             <a:endParaRPr lang="en-US" dirty="0"/>
           </a:p>
@@ -626,6 +1022,7 @@
               <a:rPr lang="en-US" altLang="zh-CN"/>
               <a:t>Edit Master text styles</a:t>
             </a:r>
+            <a:endParaRPr lang="en-US" altLang="zh-CN"/>
           </a:p>
           <a:p>
             <a:pPr lvl="1"/>
@@ -633,6 +1030,7 @@
               <a:rPr lang="en-US" altLang="zh-CN"/>
               <a:t>Second level</a:t>
             </a:r>
+            <a:endParaRPr lang="en-US" altLang="zh-CN"/>
           </a:p>
           <a:p>
             <a:pPr lvl="2"/>
@@ -640,6 +1038,7 @@
               <a:rPr lang="en-US" altLang="zh-CN"/>
               <a:t>Third level</a:t>
             </a:r>
+            <a:endParaRPr lang="en-US" altLang="zh-CN"/>
           </a:p>
           <a:p>
             <a:pPr lvl="3"/>
@@ -647,6 +1046,7 @@
               <a:rPr lang="en-US" altLang="zh-CN"/>
               <a:t>Fourth level</a:t>
             </a:r>
+            <a:endParaRPr lang="en-US" altLang="zh-CN"/>
           </a:p>
           <a:p>
             <a:pPr lvl="4"/>
@@ -675,8 +1075,6 @@
           <a:p>
             <a:fld id="{5586B75A-687E-405C-8A0B-8D00578BA2C3}" type="datetimeFigureOut">
               <a:rPr lang="en-US" dirty="0"/>
-              <a:pPr/>
-              <a:t>10/26/2017</a:t>
             </a:fld>
             <a:endParaRPr lang="en-US" dirty="0"/>
           </a:p>
@@ -718,8 +1116,6 @@
           <a:p>
             <a:fld id="{4FAB73BC-B049-4115-A692-8D63A059BFB8}" type="slidenum">
               <a:rPr lang="en-US" dirty="0"/>
-              <a:pPr/>
-              <a:t>‹#›</a:t>
             </a:fld>
             <a:endParaRPr lang="en-US" dirty="0"/>
           </a:p>
@@ -793,6 +1189,7 @@
               <a:rPr lang="en-US" altLang="zh-CN"/>
               <a:t>Edit Master text styles</a:t>
             </a:r>
+            <a:endParaRPr lang="en-US" altLang="zh-CN"/>
           </a:p>
           <a:p>
             <a:pPr lvl="1"/>
@@ -800,6 +1197,7 @@
               <a:rPr lang="en-US" altLang="zh-CN"/>
               <a:t>Second level</a:t>
             </a:r>
+            <a:endParaRPr lang="en-US" altLang="zh-CN"/>
           </a:p>
           <a:p>
             <a:pPr lvl="2"/>
@@ -807,6 +1205,7 @@
               <a:rPr lang="en-US" altLang="zh-CN"/>
               <a:t>Third level</a:t>
             </a:r>
+            <a:endParaRPr lang="en-US" altLang="zh-CN"/>
           </a:p>
           <a:p>
             <a:pPr lvl="3"/>
@@ -814,6 +1213,7 @@
               <a:rPr lang="en-US" altLang="zh-CN"/>
               <a:t>Fourth level</a:t>
             </a:r>
+            <a:endParaRPr lang="en-US" altLang="zh-CN"/>
           </a:p>
           <a:p>
             <a:pPr lvl="4"/>
@@ -842,8 +1242,6 @@
           <a:p>
             <a:fld id="{5586B75A-687E-405C-8A0B-8D00578BA2C3}" type="datetimeFigureOut">
               <a:rPr lang="en-US" dirty="0"/>
-              <a:pPr/>
-              <a:t>10/26/2017</a:t>
             </a:fld>
             <a:endParaRPr lang="en-US" dirty="0"/>
           </a:p>
@@ -885,8 +1283,6 @@
           <a:p>
             <a:fld id="{4FAB73BC-B049-4115-A692-8D63A059BFB8}" type="slidenum">
               <a:rPr lang="en-US" dirty="0"/>
-              <a:pPr/>
-              <a:t>‹#›</a:t>
             </a:fld>
             <a:endParaRPr lang="en-US" dirty="0"/>
           </a:p>
@@ -1077,6 +1473,7 @@
               <a:rPr lang="en-US" altLang="zh-CN"/>
               <a:t>Edit Master text styles</a:t>
             </a:r>
+            <a:endParaRPr lang="en-US" altLang="zh-CN"/>
           </a:p>
         </p:txBody>
       </p:sp>
@@ -1097,8 +1494,6 @@
           <a:p>
             <a:fld id="{5586B75A-687E-405C-8A0B-8D00578BA2C3}" type="datetimeFigureOut">
               <a:rPr lang="en-US" dirty="0"/>
-              <a:pPr/>
-              <a:t>10/26/2017</a:t>
             </a:fld>
             <a:endParaRPr lang="en-US" dirty="0"/>
           </a:p>
@@ -1140,8 +1535,6 @@
           <a:p>
             <a:fld id="{4FAB73BC-B049-4115-A692-8D63A059BFB8}" type="slidenum">
               <a:rPr lang="en-US" dirty="0"/>
-              <a:pPr/>
-              <a:t>‹#›</a:t>
             </a:fld>
             <a:endParaRPr lang="en-US" dirty="0"/>
           </a:p>
@@ -1248,6 +1641,7 @@
               <a:rPr lang="en-US" altLang="zh-CN"/>
               <a:t>Edit Master text styles</a:t>
             </a:r>
+            <a:endParaRPr lang="en-US" altLang="zh-CN"/>
           </a:p>
           <a:p>
             <a:pPr lvl="1"/>
@@ -1255,6 +1649,7 @@
               <a:rPr lang="en-US" altLang="zh-CN"/>
               <a:t>Second level</a:t>
             </a:r>
+            <a:endParaRPr lang="en-US" altLang="zh-CN"/>
           </a:p>
           <a:p>
             <a:pPr lvl="2"/>
@@ -1262,6 +1657,7 @@
               <a:rPr lang="en-US" altLang="zh-CN"/>
               <a:t>Third level</a:t>
             </a:r>
+            <a:endParaRPr lang="en-US" altLang="zh-CN"/>
           </a:p>
           <a:p>
             <a:pPr lvl="3"/>
@@ -1269,6 +1665,7 @@
               <a:rPr lang="en-US" altLang="zh-CN"/>
               <a:t>Fourth level</a:t>
             </a:r>
+            <a:endParaRPr lang="en-US" altLang="zh-CN"/>
           </a:p>
           <a:p>
             <a:pPr lvl="4"/>
@@ -1333,6 +1730,7 @@
               <a:rPr lang="en-US" altLang="zh-CN"/>
               <a:t>Edit Master text styles</a:t>
             </a:r>
+            <a:endParaRPr lang="en-US" altLang="zh-CN"/>
           </a:p>
           <a:p>
             <a:pPr lvl="1"/>
@@ -1340,6 +1738,7 @@
               <a:rPr lang="en-US" altLang="zh-CN"/>
               <a:t>Second level</a:t>
             </a:r>
+            <a:endParaRPr lang="en-US" altLang="zh-CN"/>
           </a:p>
           <a:p>
             <a:pPr lvl="2"/>
@@ -1347,6 +1746,7 @@
               <a:rPr lang="en-US" altLang="zh-CN"/>
               <a:t>Third level</a:t>
             </a:r>
+            <a:endParaRPr lang="en-US" altLang="zh-CN"/>
           </a:p>
           <a:p>
             <a:pPr lvl="3"/>
@@ -1354,6 +1754,7 @@
               <a:rPr lang="en-US" altLang="zh-CN"/>
               <a:t>Fourth level</a:t>
             </a:r>
+            <a:endParaRPr lang="en-US" altLang="zh-CN"/>
           </a:p>
           <a:p>
             <a:pPr lvl="4"/>
@@ -1382,8 +1783,6 @@
           <a:p>
             <a:fld id="{5586B75A-687E-405C-8A0B-8D00578BA2C3}" type="datetimeFigureOut">
               <a:rPr lang="en-US" dirty="0"/>
-              <a:pPr/>
-              <a:t>10/26/2017</a:t>
             </a:fld>
             <a:endParaRPr lang="en-US" dirty="0"/>
           </a:p>
@@ -1425,8 +1824,6 @@
           <a:p>
             <a:fld id="{4FAB73BC-B049-4115-A692-8D63A059BFB8}" type="slidenum">
               <a:rPr lang="en-US" dirty="0"/>
-              <a:pPr/>
-              <a:t>‹#›</a:t>
             </a:fld>
             <a:endParaRPr lang="en-US" dirty="0"/>
           </a:p>
@@ -1554,6 +1951,7 @@
               <a:rPr lang="en-US" altLang="zh-CN"/>
               <a:t>Edit Master text styles</a:t>
             </a:r>
+            <a:endParaRPr lang="en-US" altLang="zh-CN"/>
           </a:p>
         </p:txBody>
       </p:sp>
@@ -1610,6 +2008,7 @@
               <a:rPr lang="en-US" altLang="zh-CN"/>
               <a:t>Edit Master text styles</a:t>
             </a:r>
+            <a:endParaRPr lang="en-US" altLang="zh-CN"/>
           </a:p>
           <a:p>
             <a:pPr lvl="1"/>
@@ -1617,6 +2016,7 @@
               <a:rPr lang="en-US" altLang="zh-CN"/>
               <a:t>Second level</a:t>
             </a:r>
+            <a:endParaRPr lang="en-US" altLang="zh-CN"/>
           </a:p>
           <a:p>
             <a:pPr lvl="2"/>
@@ -1624,6 +2024,7 @@
               <a:rPr lang="en-US" altLang="zh-CN"/>
               <a:t>Third level</a:t>
             </a:r>
+            <a:endParaRPr lang="en-US" altLang="zh-CN"/>
           </a:p>
           <a:p>
             <a:pPr lvl="3"/>
@@ -1631,6 +2032,7 @@
               <a:rPr lang="en-US" altLang="zh-CN"/>
               <a:t>Fourth level</a:t>
             </a:r>
+            <a:endParaRPr lang="en-US" altLang="zh-CN"/>
           </a:p>
           <a:p>
             <a:pPr lvl="4"/>
@@ -1716,6 +2118,7 @@
               <a:rPr lang="en-US" altLang="zh-CN"/>
               <a:t>Edit Master text styles</a:t>
             </a:r>
+            <a:endParaRPr lang="en-US" altLang="zh-CN"/>
           </a:p>
         </p:txBody>
       </p:sp>
@@ -1772,6 +2175,7 @@
               <a:rPr lang="en-US" altLang="zh-CN"/>
               <a:t>Edit Master text styles</a:t>
             </a:r>
+            <a:endParaRPr lang="en-US" altLang="zh-CN"/>
           </a:p>
           <a:p>
             <a:pPr lvl="1"/>
@@ -1779,6 +2183,7 @@
               <a:rPr lang="en-US" altLang="zh-CN"/>
               <a:t>Second level</a:t>
             </a:r>
+            <a:endParaRPr lang="en-US" altLang="zh-CN"/>
           </a:p>
           <a:p>
             <a:pPr lvl="2"/>
@@ -1786,6 +2191,7 @@
               <a:rPr lang="en-US" altLang="zh-CN"/>
               <a:t>Third level</a:t>
             </a:r>
+            <a:endParaRPr lang="en-US" altLang="zh-CN"/>
           </a:p>
           <a:p>
             <a:pPr lvl="3"/>
@@ -1793,6 +2199,7 @@
               <a:rPr lang="en-US" altLang="zh-CN"/>
               <a:t>Fourth level</a:t>
             </a:r>
+            <a:endParaRPr lang="en-US" altLang="zh-CN"/>
           </a:p>
           <a:p>
             <a:pPr lvl="4"/>
@@ -1821,8 +2228,6 @@
           <a:p>
             <a:fld id="{5586B75A-687E-405C-8A0B-8D00578BA2C3}" type="datetimeFigureOut">
               <a:rPr lang="en-US" dirty="0"/>
-              <a:pPr/>
-              <a:t>10/26/2017</a:t>
             </a:fld>
             <a:endParaRPr lang="en-US" dirty="0"/>
           </a:p>
@@ -1864,8 +2269,6 @@
           <a:p>
             <a:fld id="{4FAB73BC-B049-4115-A692-8D63A059BFB8}" type="slidenum">
               <a:rPr lang="en-US" dirty="0"/>
-              <a:pPr/>
-              <a:t>‹#›</a:t>
             </a:fld>
             <a:endParaRPr lang="en-US" dirty="0"/>
           </a:p>
@@ -1936,8 +2339,6 @@
           <a:p>
             <a:fld id="{5586B75A-687E-405C-8A0B-8D00578BA2C3}" type="datetimeFigureOut">
               <a:rPr lang="en-US" dirty="0"/>
-              <a:pPr/>
-              <a:t>10/26/2017</a:t>
             </a:fld>
             <a:endParaRPr lang="en-US" dirty="0"/>
           </a:p>
@@ -1979,8 +2380,6 @@
           <a:p>
             <a:fld id="{4FAB73BC-B049-4115-A692-8D63A059BFB8}" type="slidenum">
               <a:rPr lang="en-US" dirty="0"/>
-              <a:pPr/>
-              <a:t>‹#›</a:t>
             </a:fld>
             <a:endParaRPr lang="en-US" dirty="0"/>
           </a:p>
@@ -1995,7 +2394,7 @@
 </file>
 
 <file path=ppt/slideLayouts/slideLayout7.xml><?xml version="1.0" encoding="utf-8"?>
-<p:sldLayout xmlns:a="http://schemas.openxmlformats.org/drawingml/2006/main" xmlns:r="http://schemas.openxmlformats.org/officeDocument/2006/relationships" xmlns:p="http://schemas.openxmlformats.org/presentationml/2006/main" showMasterSp="0" type="blank" preserve="1">
+<p:sldLayout xmlns:a="http://schemas.openxmlformats.org/drawingml/2006/main" xmlns:r="http://schemas.openxmlformats.org/officeDocument/2006/relationships" xmlns:p="http://schemas.openxmlformats.org/presentationml/2006/main" type="blank" preserve="1" showMasterSp="0">
   <p:cSld name="Blank">
     <p:spTree>
       <p:nvGrpSpPr>
@@ -2028,8 +2427,6 @@
           <a:p>
             <a:fld id="{5586B75A-687E-405C-8A0B-8D00578BA2C3}" type="datetimeFigureOut">
               <a:rPr lang="en-US" dirty="0"/>
-              <a:pPr/>
-              <a:t>10/26/2017</a:t>
             </a:fld>
             <a:endParaRPr lang="en-US" dirty="0"/>
           </a:p>
@@ -2071,8 +2468,6 @@
           <a:p>
             <a:fld id="{4FAB73BC-B049-4115-A692-8D63A059BFB8}" type="slidenum">
               <a:rPr lang="en-US" dirty="0"/>
-              <a:pPr/>
-              <a:t>‹#›</a:t>
             </a:fld>
             <a:endParaRPr lang="en-US" dirty="0"/>
           </a:p>
@@ -2190,6 +2585,7 @@
               <a:rPr lang="en-US" altLang="zh-CN"/>
               <a:t>Edit Master text styles</a:t>
             </a:r>
+            <a:endParaRPr lang="en-US" altLang="zh-CN"/>
           </a:p>
           <a:p>
             <a:pPr lvl="1"/>
@@ -2197,6 +2593,7 @@
               <a:rPr lang="en-US" altLang="zh-CN"/>
               <a:t>Second level</a:t>
             </a:r>
+            <a:endParaRPr lang="en-US" altLang="zh-CN"/>
           </a:p>
           <a:p>
             <a:pPr lvl="2"/>
@@ -2204,6 +2601,7 @@
               <a:rPr lang="en-US" altLang="zh-CN"/>
               <a:t>Third level</a:t>
             </a:r>
+            <a:endParaRPr lang="en-US" altLang="zh-CN"/>
           </a:p>
           <a:p>
             <a:pPr lvl="3"/>
@@ -2211,6 +2609,7 @@
               <a:rPr lang="en-US" altLang="zh-CN"/>
               <a:t>Fourth level</a:t>
             </a:r>
+            <a:endParaRPr lang="en-US" altLang="zh-CN"/>
           </a:p>
           <a:p>
             <a:pPr lvl="4"/>
@@ -2293,6 +2692,7 @@
               <a:rPr lang="en-US" altLang="zh-CN"/>
               <a:t>Edit Master text styles</a:t>
             </a:r>
+            <a:endParaRPr lang="en-US" altLang="zh-CN"/>
           </a:p>
         </p:txBody>
       </p:sp>
@@ -2313,8 +2713,6 @@
           <a:p>
             <a:fld id="{5586B75A-687E-405C-8A0B-8D00578BA2C3}" type="datetimeFigureOut">
               <a:rPr lang="en-US" dirty="0"/>
-              <a:pPr/>
-              <a:t>10/26/2017</a:t>
             </a:fld>
             <a:endParaRPr lang="en-US" dirty="0"/>
           </a:p>
@@ -2356,8 +2754,6 @@
           <a:p>
             <a:fld id="{4FAB73BC-B049-4115-A692-8D63A059BFB8}" type="slidenum">
               <a:rPr lang="en-US" dirty="0"/>
-              <a:pPr/>
-              <a:t>‹#›</a:t>
             </a:fld>
             <a:endParaRPr lang="en-US" dirty="0"/>
           </a:p>
@@ -2563,6 +2959,7 @@
               <a:rPr lang="en-US" altLang="zh-CN"/>
               <a:t>Edit Master text styles</a:t>
             </a:r>
+            <a:endParaRPr lang="en-US" altLang="zh-CN"/>
           </a:p>
         </p:txBody>
       </p:sp>
@@ -2583,8 +2980,6 @@
           <a:p>
             <a:fld id="{5586B75A-687E-405C-8A0B-8D00578BA2C3}" type="datetimeFigureOut">
               <a:rPr lang="en-US" dirty="0"/>
-              <a:pPr/>
-              <a:t>10/26/2017</a:t>
             </a:fld>
             <a:endParaRPr lang="en-US" dirty="0"/>
           </a:p>
@@ -2631,8 +3026,6 @@
           <a:p>
             <a:fld id="{4FAB73BC-B049-4115-A692-8D63A059BFB8}" type="slidenum">
               <a:rPr lang="en-US" dirty="0"/>
-              <a:pPr/>
-              <a:t>‹#›</a:t>
             </a:fld>
             <a:endParaRPr lang="en-US" dirty="0"/>
           </a:p>
@@ -2809,6 +3202,7 @@
               <a:rPr lang="en-US" altLang="zh-CN"/>
               <a:t>Edit Master text styles</a:t>
             </a:r>
+            <a:endParaRPr lang="en-US" altLang="zh-CN"/>
           </a:p>
           <a:p>
             <a:pPr lvl="1"/>
@@ -2816,6 +3210,7 @@
               <a:rPr lang="en-US" altLang="zh-CN"/>
               <a:t>Second level</a:t>
             </a:r>
+            <a:endParaRPr lang="en-US" altLang="zh-CN"/>
           </a:p>
           <a:p>
             <a:pPr lvl="2"/>
@@ -2823,6 +3218,7 @@
               <a:rPr lang="en-US" altLang="zh-CN"/>
               <a:t>Third level</a:t>
             </a:r>
+            <a:endParaRPr lang="en-US" altLang="zh-CN"/>
           </a:p>
           <a:p>
             <a:pPr lvl="3"/>
@@ -2830,6 +3226,7 @@
               <a:rPr lang="en-US" altLang="zh-CN"/>
               <a:t>Fourth level</a:t>
             </a:r>
+            <a:endParaRPr lang="en-US" altLang="zh-CN"/>
           </a:p>
           <a:p>
             <a:pPr lvl="4"/>
@@ -2877,8 +3274,6 @@
           <a:p>
             <a:fld id="{5586B75A-687E-405C-8A0B-8D00578BA2C3}" type="datetimeFigureOut">
               <a:rPr lang="en-US" dirty="0"/>
-              <a:pPr/>
-              <a:t>10/26/2017</a:t>
             </a:fld>
             <a:endParaRPr lang="en-US" dirty="0"/>
           </a:p>
@@ -2955,8 +3350,6 @@
           <a:p>
             <a:fld id="{4FAB73BC-B049-4115-A692-8D63A059BFB8}" type="slidenum">
               <a:rPr lang="en-US" dirty="0"/>
-              <a:pPr/>
-              <a:t>‹#›</a:t>
             </a:fld>
             <a:endParaRPr lang="en-US" dirty="0"/>
           </a:p>
@@ -2966,17 +3359,17 @@
   </p:cSld>
   <p:clrMap bg1="lt1" tx1="dk1" bg2="lt2" tx2="dk2" accent1="accent1" accent2="accent2" accent3="accent3" accent4="accent4" accent5="accent5" accent6="accent6" hlink="hlink" folHlink="folHlink"/>
   <p:sldLayoutIdLst>
-    <p:sldLayoutId id="2147483841" r:id="rId1"/>
-    <p:sldLayoutId id="2147483842" r:id="rId2"/>
-    <p:sldLayoutId id="2147483843" r:id="rId3"/>
-    <p:sldLayoutId id="2147483844" r:id="rId4"/>
-    <p:sldLayoutId id="2147483845" r:id="rId5"/>
-    <p:sldLayoutId id="2147483846" r:id="rId6"/>
-    <p:sldLayoutId id="2147483847" r:id="rId7"/>
-    <p:sldLayoutId id="2147483848" r:id="rId8"/>
-    <p:sldLayoutId id="2147483849" r:id="rId9"/>
-    <p:sldLayoutId id="2147483850" r:id="rId10"/>
-    <p:sldLayoutId id="2147483851" r:id="rId11"/>
+    <p:sldLayoutId id="2147483649" r:id="rId1"/>
+    <p:sldLayoutId id="2147483650" r:id="rId2"/>
+    <p:sldLayoutId id="2147483651" r:id="rId3"/>
+    <p:sldLayoutId id="2147483652" r:id="rId4"/>
+    <p:sldLayoutId id="2147483653" r:id="rId5"/>
+    <p:sldLayoutId id="2147483654" r:id="rId6"/>
+    <p:sldLayoutId id="2147483655" r:id="rId7"/>
+    <p:sldLayoutId id="2147483656" r:id="rId8"/>
+    <p:sldLayoutId id="2147483657" r:id="rId9"/>
+    <p:sldLayoutId id="2147483658" r:id="rId10"/>
+    <p:sldLayoutId id="2147483659" r:id="rId11"/>
   </p:sldLayoutIdLst>
   <p:hf sldNum="0" hdr="0" ftr="0" dt="0"/>
   <p:txStyles>
@@ -3010,7 +3403,7 @@
         <a:buClr>
           <a:schemeClr val="accent1"/>
         </a:buClr>
-        <a:buFont typeface="Wingdings 2" pitchFamily="18" charset="2"/>
+        <a:buFont typeface="Wingdings 2" panose="05020102010507070707" pitchFamily="18" charset="2"/>
         <a:buChar char=""/>
         <a:defRPr sz="2000" kern="1200">
           <a:solidFill>
@@ -3037,7 +3430,7 @@
         <a:buClr>
           <a:schemeClr val="accent1"/>
         </a:buClr>
-        <a:buFont typeface="Wingdings 2" pitchFamily="18" charset="2"/>
+        <a:buFont typeface="Wingdings 2" panose="05020102010507070707" pitchFamily="18" charset="2"/>
         <a:buChar char=""/>
         <a:defRPr sz="1800" kern="1200">
           <a:solidFill>
@@ -3064,7 +3457,7 @@
         <a:buClr>
           <a:schemeClr val="accent1"/>
         </a:buClr>
-        <a:buFont typeface="Wingdings 2" pitchFamily="18" charset="2"/>
+        <a:buFont typeface="Wingdings 2" panose="05020102010507070707" pitchFamily="18" charset="2"/>
         <a:buChar char=""/>
         <a:defRPr sz="1600" kern="1200">
           <a:solidFill>
@@ -3091,7 +3484,7 @@
         <a:buClr>
           <a:schemeClr val="accent1"/>
         </a:buClr>
-        <a:buFont typeface="Wingdings 2" pitchFamily="18" charset="2"/>
+        <a:buFont typeface="Wingdings 2" panose="05020102010507070707" pitchFamily="18" charset="2"/>
         <a:buChar char=""/>
         <a:defRPr sz="1400" kern="1200">
           <a:solidFill>
@@ -3118,7 +3511,7 @@
         <a:buClr>
           <a:schemeClr val="accent1"/>
         </a:buClr>
-        <a:buFont typeface="Wingdings 2" pitchFamily="18" charset="2"/>
+        <a:buFont typeface="Wingdings 2" panose="05020102010507070707" pitchFamily="18" charset="2"/>
         <a:buChar char=""/>
         <a:defRPr sz="1400" kern="1200">
           <a:solidFill>
@@ -3145,7 +3538,7 @@
         <a:buClr>
           <a:schemeClr val="accent1"/>
         </a:buClr>
-        <a:buFont typeface="Wingdings 2" pitchFamily="18" charset="2"/>
+        <a:buFont typeface="Wingdings 2" panose="05020102010507070707" pitchFamily="18" charset="2"/>
         <a:buChar char=""/>
         <a:defRPr sz="1400" kern="1200">
           <a:solidFill>
@@ -3172,7 +3565,7 @@
         <a:buClr>
           <a:schemeClr val="accent1"/>
         </a:buClr>
-        <a:buFont typeface="Wingdings 2" pitchFamily="18" charset="2"/>
+        <a:buFont typeface="Wingdings 2" panose="05020102010507070707" pitchFamily="18" charset="2"/>
         <a:buChar char=""/>
         <a:defRPr sz="1400" kern="1200">
           <a:solidFill>
@@ -3199,7 +3592,7 @@
         <a:buClr>
           <a:schemeClr val="accent1"/>
         </a:buClr>
-        <a:buFont typeface="Wingdings 2" pitchFamily="18" charset="2"/>
+        <a:buFont typeface="Wingdings 2" panose="05020102010507070707" pitchFamily="18" charset="2"/>
         <a:buChar char=""/>
         <a:defRPr sz="1400" kern="1200">
           <a:solidFill>
@@ -3226,7 +3619,7 @@
         <a:buClr>
           <a:schemeClr val="accent1"/>
         </a:buClr>
-        <a:buFont typeface="Wingdings 2" pitchFamily="18" charset="2"/>
+        <a:buFont typeface="Wingdings 2" panose="05020102010507070707" pitchFamily="18" charset="2"/>
         <a:buChar char=""/>
         <a:defRPr sz="1400" kern="1200">
           <a:solidFill>
@@ -3359,13 +3752,7 @@
       </p:grpSpPr>
       <p:sp>
         <p:nvSpPr>
-          <p:cNvPr id="2" name="Title 1">
-            <a:extLst>
-              <a:ext uri="{FF2B5EF4-FFF2-40B4-BE49-F238E27FC236}">
-                <a16:creationId xmlns:a16="http://schemas.microsoft.com/office/drawing/2014/main" id="{01E70D09-D9EA-4525-8A7C-BEC81C40BF3C}"/>
-              </a:ext>
-            </a:extLst>
-          </p:cNvPr>
+          <p:cNvPr id="2" name="Title 1"/>
           <p:cNvSpPr>
             <a:spLocks noGrp="1"/>
           </p:cNvSpPr>
@@ -3386,18 +3773,13 @@
               <a:rPr lang="zh-CN" altLang="en-US" dirty="0"/>
               <a:t>秒视频项目方案（草稿）</a:t>
             </a:r>
-          </a:p>
-        </p:txBody>
-      </p:sp>
-      <p:sp>
-        <p:nvSpPr>
-          <p:cNvPr id="3" name="Subtitle 2">
-            <a:extLst>
-              <a:ext uri="{FF2B5EF4-FFF2-40B4-BE49-F238E27FC236}">
-                <a16:creationId xmlns:a16="http://schemas.microsoft.com/office/drawing/2014/main" id="{5EA94D73-6391-456C-835B-5BA198B3CEF1}"/>
-              </a:ext>
-            </a:extLst>
-          </p:cNvPr>
+            <a:endParaRPr lang="zh-CN" altLang="en-US" dirty="0"/>
+          </a:p>
+        </p:txBody>
+      </p:sp>
+      <p:sp>
+        <p:nvSpPr>
+          <p:cNvPr id="3" name="Subtitle 2"/>
           <p:cNvSpPr>
             <a:spLocks noGrp="1"/>
           </p:cNvSpPr>
@@ -3438,11 +3820,3392 @@
         </p:txBody>
       </p:sp>
     </p:spTree>
-    <p:extLst>
-      <p:ext uri="{BB962C8B-B14F-4D97-AF65-F5344CB8AC3E}">
-        <p14:creationId xmlns:p14="http://schemas.microsoft.com/office/powerpoint/2010/main" val="1948898815"/>
-      </p:ext>
-    </p:extLst>
+  </p:cSld>
+  <p:clrMapOvr>
+    <a:masterClrMapping/>
+  </p:clrMapOvr>
+</p:sld>
+</file>
+
+<file path=ppt/slides/slide2.xml><?xml version="1.0" encoding="utf-8"?>
+<p:sld xmlns:a="http://schemas.openxmlformats.org/drawingml/2006/main" xmlns:r="http://schemas.openxmlformats.org/officeDocument/2006/relationships" xmlns:p="http://schemas.openxmlformats.org/presentationml/2006/main">
+  <p:cSld>
+    <p:spTree>
+      <p:nvGrpSpPr>
+        <p:cNvPr id="1" name=""/>
+        <p:cNvGrpSpPr/>
+        <p:nvPr/>
+      </p:nvGrpSpPr>
+      <p:grpSpPr/>
+      <p:sp>
+        <p:nvSpPr>
+          <p:cNvPr id="2" name="标题 1"/>
+          <p:cNvSpPr>
+            <a:spLocks noGrp="1"/>
+          </p:cNvSpPr>
+          <p:nvPr>
+            <p:ph type="title"/>
+          </p:nvPr>
+        </p:nvSpPr>
+        <p:spPr/>
+        <p:txBody>
+          <a:bodyPr/>
+          <a:p>
+            <a:r>
+              <a:rPr lang="zh-CN" altLang="en-US"/>
+              <a:t>项目背景</a:t>
+            </a:r>
+            <a:endParaRPr lang="zh-CN" altLang="en-US"/>
+          </a:p>
+        </p:txBody>
+      </p:sp>
+      <p:sp>
+        <p:nvSpPr>
+          <p:cNvPr id="3" name="内容占位符 2"/>
+          <p:cNvSpPr>
+            <a:spLocks noGrp="1"/>
+          </p:cNvSpPr>
+          <p:nvPr>
+            <p:ph idx="1"/>
+          </p:nvPr>
+        </p:nvSpPr>
+        <p:spPr/>
+        <p:txBody>
+          <a:bodyPr/>
+          <a:p>
+            <a:r>
+              <a:rPr lang="zh-CN" altLang="en-US"/>
+              <a:t>一个面向需要进行产品推广营销的企业客户的</a:t>
+            </a:r>
+            <a:r>
+              <a:rPr lang="en-US" altLang="zh-CN"/>
+              <a:t>O2O</a:t>
+            </a:r>
+            <a:r>
+              <a:rPr lang="zh-CN" altLang="en-US"/>
+              <a:t>平台，帮助客户可以快速找到网红和视频制作导演，让可以通过平台的资源对接获得优质的高级定制的视频营销服务。</a:t>
+            </a:r>
+            <a:endParaRPr lang="zh-CN" altLang="en-US"/>
+          </a:p>
+          <a:p>
+            <a:endParaRPr lang="zh-CN" altLang="en-US"/>
+          </a:p>
+          <a:p>
+            <a:r>
+              <a:rPr lang="zh-CN" altLang="en-US"/>
+              <a:t>关键字：</a:t>
+            </a:r>
+            <a:r>
+              <a:rPr lang="en-US" altLang="zh-CN"/>
+              <a:t>O2O</a:t>
+            </a:r>
+            <a:r>
+              <a:rPr lang="zh-CN" altLang="en-US"/>
+              <a:t>，网红，视频导演，企业级用户，营销推广</a:t>
+            </a:r>
+            <a:endParaRPr lang="zh-CN" altLang="en-US"/>
+          </a:p>
+        </p:txBody>
+      </p:sp>
+      <p:pic>
+        <p:nvPicPr>
+          <p:cNvPr id="8" name="图片 7"/>
+          <p:cNvPicPr>
+            <a:picLocks noChangeAspect="1"/>
+          </p:cNvPicPr>
+          <p:nvPr/>
+        </p:nvPicPr>
+        <p:blipFill>
+          <a:blip r:embed="rId1"/>
+          <a:stretch>
+            <a:fillRect/>
+          </a:stretch>
+        </p:blipFill>
+        <p:spPr>
+          <a:xfrm>
+            <a:off x="5743575" y="180340"/>
+            <a:ext cx="3566160" cy="1668780"/>
+          </a:xfrm>
+          <a:prstGeom prst="rect">
+            <a:avLst/>
+          </a:prstGeom>
+        </p:spPr>
+      </p:pic>
+    </p:spTree>
+  </p:cSld>
+  <p:clrMapOvr>
+    <a:masterClrMapping/>
+  </p:clrMapOvr>
+</p:sld>
+</file>
+
+<file path=ppt/slides/slide3.xml><?xml version="1.0" encoding="utf-8"?>
+<p:sld xmlns:a="http://schemas.openxmlformats.org/drawingml/2006/main" xmlns:r="http://schemas.openxmlformats.org/officeDocument/2006/relationships" xmlns:p="http://schemas.openxmlformats.org/presentationml/2006/main">
+  <p:cSld>
+    <p:spTree>
+      <p:nvGrpSpPr>
+        <p:cNvPr id="1" name=""/>
+        <p:cNvGrpSpPr/>
+        <p:nvPr/>
+      </p:nvGrpSpPr>
+      <p:grpSpPr/>
+      <p:sp>
+        <p:nvSpPr>
+          <p:cNvPr id="3" name="内容占位符 2"/>
+          <p:cNvSpPr>
+            <a:spLocks noGrp="1"/>
+          </p:cNvSpPr>
+          <p:nvPr>
+            <p:ph idx="1"/>
+          </p:nvPr>
+        </p:nvSpPr>
+        <p:spPr/>
+        <p:txBody>
+          <a:bodyPr/>
+          <a:p>
+            <a:r>
+              <a:rPr lang="zh-CN" altLang="en-US"/>
+              <a:t>小程序为主、公众号为辅的微信平台来进行业务的模块和客户的服务</a:t>
+            </a:r>
+            <a:endParaRPr lang="zh-CN" altLang="en-US"/>
+          </a:p>
+          <a:p>
+            <a:r>
+              <a:rPr lang="zh-CN" altLang="en-US"/>
+              <a:t>三个小程序组成的解决方案：网红探索器，导演案例展示，</a:t>
+            </a:r>
+            <a:r>
+              <a:rPr lang="en-US" altLang="zh-CN"/>
+              <a:t>O2O</a:t>
+            </a:r>
+            <a:r>
+              <a:rPr lang="zh-CN" altLang="en-US"/>
+              <a:t>视频营销定制服务平台</a:t>
+            </a:r>
+            <a:endParaRPr lang="zh-CN" altLang="en-US"/>
+          </a:p>
+          <a:p>
+            <a:r>
+              <a:rPr lang="zh-CN" altLang="en-US"/>
+              <a:t>优点：快速迭代、快速试错</a:t>
+            </a:r>
+            <a:endParaRPr lang="zh-CN" altLang="en-US"/>
+          </a:p>
+          <a:p>
+            <a:r>
+              <a:rPr lang="zh-CN" altLang="en-US"/>
+              <a:t>锁定微信不打开不舒服症候群患者为第一原型客户，不需要客户安装，便于推广</a:t>
+            </a:r>
+            <a:endParaRPr lang="zh-CN" altLang="en-US"/>
+          </a:p>
+          <a:p>
+            <a:r>
+              <a:rPr lang="zh-CN" altLang="en-US"/>
+              <a:t>缺点：不够正式，尤其是面向企业级用户</a:t>
+            </a:r>
+            <a:endParaRPr lang="zh-CN" altLang="en-US"/>
+          </a:p>
+        </p:txBody>
+      </p:sp>
+      <p:sp>
+        <p:nvSpPr>
+          <p:cNvPr id="2" name="标题 1"/>
+          <p:cNvSpPr>
+            <a:spLocks noGrp="1"/>
+          </p:cNvSpPr>
+          <p:nvPr>
+            <p:ph type="title"/>
+          </p:nvPr>
+        </p:nvSpPr>
+        <p:spPr/>
+        <p:txBody>
+          <a:bodyPr/>
+          <a:p>
+            <a:r>
+              <a:rPr lang="zh-CN" altLang="en-US"/>
+              <a:t>整体方案设计</a:t>
+            </a:r>
+            <a:endParaRPr lang="zh-CN" altLang="en-US"/>
+          </a:p>
+        </p:txBody>
+      </p:sp>
+      <p:pic>
+        <p:nvPicPr>
+          <p:cNvPr id="5" name="图片 4"/>
+          <p:cNvPicPr>
+            <a:picLocks noChangeAspect="1"/>
+          </p:cNvPicPr>
+          <p:nvPr/>
+        </p:nvPicPr>
+        <p:blipFill>
+          <a:blip r:embed="rId1"/>
+          <a:stretch>
+            <a:fillRect/>
+          </a:stretch>
+        </p:blipFill>
+        <p:spPr>
+          <a:xfrm>
+            <a:off x="7120255" y="5017770"/>
+            <a:ext cx="4672330" cy="1645920"/>
+          </a:xfrm>
+          <a:prstGeom prst="rect">
+            <a:avLst/>
+          </a:prstGeom>
+        </p:spPr>
+      </p:pic>
+    </p:spTree>
+  </p:cSld>
+  <p:clrMapOvr>
+    <a:masterClrMapping/>
+  </p:clrMapOvr>
+</p:sld>
+</file>
+
+<file path=ppt/slides/slide4.xml><?xml version="1.0" encoding="utf-8"?>
+<p:sld xmlns:a="http://schemas.openxmlformats.org/drawingml/2006/main" xmlns:r="http://schemas.openxmlformats.org/officeDocument/2006/relationships" xmlns:p="http://schemas.openxmlformats.org/presentationml/2006/main">
+  <p:cSld>
+    <p:spTree>
+      <p:nvGrpSpPr>
+        <p:cNvPr id="1" name=""/>
+        <p:cNvGrpSpPr/>
+        <p:nvPr/>
+      </p:nvGrpSpPr>
+      <p:grpSpPr/>
+      <p:sp>
+        <p:nvSpPr>
+          <p:cNvPr id="4" name="标题 3"/>
+          <p:cNvSpPr>
+            <a:spLocks noGrp="1"/>
+          </p:cNvSpPr>
+          <p:nvPr>
+            <p:ph type="title"/>
+          </p:nvPr>
+        </p:nvSpPr>
+        <p:spPr/>
+        <p:txBody>
+          <a:bodyPr/>
+          <a:p>
+            <a:r>
+              <a:rPr lang="zh-CN" altLang="en-US"/>
+              <a:t>小程序</a:t>
+            </a:r>
+            <a:r>
+              <a:rPr lang="en-US" altLang="zh-CN"/>
+              <a:t>1</a:t>
+            </a:r>
+            <a:br>
+              <a:rPr lang="en-US" altLang="zh-CN"/>
+            </a:br>
+            <a:r>
+              <a:rPr lang="zh-CN" altLang="en-US"/>
+              <a:t>网红探索器</a:t>
+            </a:r>
+            <a:endParaRPr lang="zh-CN" altLang="en-US"/>
+          </a:p>
+        </p:txBody>
+      </p:sp>
+      <p:sp>
+        <p:nvSpPr>
+          <p:cNvPr id="5" name="内容占位符 4"/>
+          <p:cNvSpPr>
+            <a:spLocks noGrp="1"/>
+          </p:cNvSpPr>
+          <p:nvPr>
+            <p:ph sz="half" idx="1"/>
+          </p:nvPr>
+        </p:nvSpPr>
+        <p:spPr/>
+        <p:txBody>
+          <a:bodyPr/>
+          <a:p>
+            <a:r>
+              <a:rPr lang="zh-CN" altLang="en-US"/>
+              <a:t>类似探探，随机播放网红的</a:t>
+            </a:r>
+            <a:r>
+              <a:rPr lang="en-US" altLang="zh-CN"/>
+              <a:t>10</a:t>
+            </a:r>
+            <a:r>
+              <a:rPr lang="zh-CN" altLang="en-US"/>
+              <a:t>秒短视频</a:t>
+            </a:r>
+            <a:endParaRPr lang="zh-CN" altLang="en-US"/>
+          </a:p>
+          <a:p>
+            <a:r>
+              <a:rPr lang="zh-CN" altLang="en-US"/>
+              <a:t>网红可以录制</a:t>
+            </a:r>
+            <a:r>
+              <a:rPr lang="en-US" altLang="zh-CN"/>
+              <a:t>10</a:t>
+            </a:r>
+            <a:r>
+              <a:rPr lang="zh-CN" altLang="en-US"/>
+              <a:t>秒钟短视频让客户进行快速匹配</a:t>
+            </a:r>
+            <a:endParaRPr lang="zh-CN" altLang="en-US"/>
+          </a:p>
+          <a:p>
+            <a:r>
+              <a:rPr lang="zh-CN" altLang="en-US"/>
+              <a:t>客户可以为网红点赞，被点赞越多的网红出现的概率越大</a:t>
+            </a:r>
+            <a:endParaRPr lang="zh-CN" altLang="en-US"/>
+          </a:p>
+          <a:p>
+            <a:r>
+              <a:rPr lang="zh-CN" altLang="en-US"/>
+              <a:t>客户可以收藏、关注该网红</a:t>
+            </a:r>
+            <a:endParaRPr lang="zh-CN" altLang="en-US"/>
+          </a:p>
+          <a:p>
+            <a:r>
+              <a:rPr lang="zh-CN" altLang="en-US"/>
+              <a:t>链接到</a:t>
+            </a:r>
+            <a:r>
+              <a:rPr lang="en-US" altLang="zh-CN"/>
+              <a:t>020</a:t>
+            </a:r>
+            <a:r>
+              <a:rPr lang="zh-CN" altLang="en-US"/>
+              <a:t>平台，选择网红对营销进行服务</a:t>
+            </a:r>
+            <a:endParaRPr lang="zh-CN" altLang="en-US"/>
+          </a:p>
+          <a:p>
+            <a:endParaRPr lang="zh-CN" altLang="en-US"/>
+          </a:p>
+          <a:p>
+            <a:r>
+              <a:rPr lang="zh-CN" altLang="en-US"/>
+              <a:t>网红上传和修改短视频</a:t>
+            </a:r>
+            <a:endParaRPr lang="zh-CN" altLang="en-US"/>
+          </a:p>
+        </p:txBody>
+      </p:sp>
+      <p:graphicFrame>
+        <p:nvGraphicFramePr>
+          <p:cNvPr id="7" name="内容占位符 6"/>
+          <p:cNvGraphicFramePr>
+            <a:graphicFrameLocks noChangeAspect="1"/>
+          </p:cNvGraphicFramePr>
+          <p:nvPr>
+            <p:ph sz="half" idx="2"/>
+          </p:nvPr>
+        </p:nvGraphicFramePr>
+        <p:xfrm>
+          <a:off x="8059420" y="1236980"/>
+          <a:ext cx="3360420" cy="4924425"/>
+        </p:xfrm>
+        <a:graphic>
+          <a:graphicData uri="http://schemas.openxmlformats.org/presentationml/2006/ole">
+            <mc:AlternateContent xmlns:mc="http://schemas.openxmlformats.org/markup-compatibility/2006">
+              <mc:Choice xmlns:v="urn:schemas-microsoft-com:vml" Requires="v">
+                <p:oleObj spid="_x0000_s8" name="" r:id="rId1" imgW="1638300" imgH="2400300" progId="Paint.Picture">
+                  <p:embed/>
+                </p:oleObj>
+              </mc:Choice>
+              <mc:Fallback>
+                <p:oleObj name="" r:id="rId1" imgW="1638300" imgH="2400300" progId="Paint.Picture">
+                  <p:embed/>
+                  <p:pic>
+                    <p:nvPicPr>
+                      <p:cNvPr id="0" name="图片 7"/>
+                      <p:cNvPicPr/>
+                      <p:nvPr/>
+                    </p:nvPicPr>
+                    <p:blipFill>
+                      <a:blip r:embed="rId2"/>
+                      <a:stretch>
+                        <a:fillRect/>
+                      </a:stretch>
+                    </p:blipFill>
+                    <p:spPr>
+                      <a:xfrm>
+                        <a:off x="8059420" y="1236980"/>
+                        <a:ext cx="3360420" cy="4924425"/>
+                      </a:xfrm>
+                      <a:prstGeom prst="rect">
+                        <a:avLst/>
+                      </a:prstGeom>
+                    </p:spPr>
+                  </p:pic>
+                </p:oleObj>
+              </mc:Fallback>
+            </mc:AlternateContent>
+          </a:graphicData>
+        </a:graphic>
+      </p:graphicFrame>
+    </p:spTree>
+  </p:cSld>
+  <p:clrMapOvr>
+    <a:masterClrMapping/>
+  </p:clrMapOvr>
+</p:sld>
+</file>
+
+<file path=ppt/slides/slide5.xml><?xml version="1.0" encoding="utf-8"?>
+<p:sld xmlns:a="http://schemas.openxmlformats.org/drawingml/2006/main" xmlns:r="http://schemas.openxmlformats.org/officeDocument/2006/relationships" xmlns:p="http://schemas.openxmlformats.org/presentationml/2006/main">
+  <p:cSld>
+    <p:spTree>
+      <p:nvGrpSpPr>
+        <p:cNvPr id="1" name=""/>
+        <p:cNvGrpSpPr/>
+        <p:nvPr/>
+      </p:nvGrpSpPr>
+      <p:grpSpPr/>
+      <p:sp>
+        <p:nvSpPr>
+          <p:cNvPr id="2" name="标题 1"/>
+          <p:cNvSpPr>
+            <a:spLocks noGrp="1"/>
+          </p:cNvSpPr>
+          <p:nvPr>
+            <p:ph type="title"/>
+          </p:nvPr>
+        </p:nvSpPr>
+        <p:spPr/>
+        <p:txBody>
+          <a:bodyPr/>
+          <a:p>
+            <a:r>
+              <a:rPr lang="zh-CN" altLang="en-US"/>
+              <a:t>小程序</a:t>
+            </a:r>
+            <a:r>
+              <a:rPr lang="en-US" altLang="zh-CN"/>
+              <a:t>2</a:t>
+            </a:r>
+            <a:br>
+              <a:rPr lang="en-US" altLang="zh-CN"/>
+            </a:br>
+            <a:r>
+              <a:rPr lang="zh-CN" altLang="en-US"/>
+              <a:t>导演案例赏析</a:t>
+            </a:r>
+            <a:endParaRPr lang="zh-CN" altLang="en-US"/>
+          </a:p>
+        </p:txBody>
+      </p:sp>
+      <p:sp>
+        <p:nvSpPr>
+          <p:cNvPr id="3" name="内容占位符 2"/>
+          <p:cNvSpPr>
+            <a:spLocks noGrp="1"/>
+          </p:cNvSpPr>
+          <p:nvPr>
+            <p:ph sz="half" idx="1"/>
+          </p:nvPr>
+        </p:nvSpPr>
+        <p:spPr/>
+        <p:txBody>
+          <a:bodyPr/>
+          <a:p>
+            <a:r>
+              <a:rPr lang="zh-CN" altLang="en-US"/>
+              <a:t>对导演分门别类</a:t>
+            </a:r>
+            <a:endParaRPr lang="zh-CN" altLang="en-US"/>
+          </a:p>
+          <a:p>
+            <a:r>
+              <a:rPr lang="zh-CN" altLang="en-US"/>
+              <a:t>客户快速找到自己想要的风格的导演</a:t>
+            </a:r>
+            <a:endParaRPr lang="zh-CN" altLang="en-US"/>
+          </a:p>
+          <a:p>
+            <a:r>
+              <a:rPr lang="zh-CN" altLang="en-US"/>
+              <a:t>查阅导演相关的案例作品</a:t>
+            </a:r>
+            <a:endParaRPr lang="zh-CN" altLang="en-US"/>
+          </a:p>
+          <a:p>
+            <a:r>
+              <a:rPr lang="zh-CN" altLang="en-US"/>
+              <a:t>可以对导演进行关注和收藏</a:t>
+            </a:r>
+            <a:endParaRPr lang="zh-CN" altLang="en-US"/>
+          </a:p>
+          <a:p>
+            <a:r>
+              <a:rPr lang="zh-CN" altLang="en-US">
+                <a:sym typeface="+mn-ea"/>
+              </a:rPr>
+              <a:t>链接到</a:t>
+            </a:r>
+            <a:r>
+              <a:rPr lang="en-US" altLang="zh-CN">
+                <a:sym typeface="+mn-ea"/>
+              </a:rPr>
+              <a:t>020</a:t>
+            </a:r>
+            <a:r>
+              <a:rPr lang="zh-CN" altLang="en-US">
+                <a:sym typeface="+mn-ea"/>
+              </a:rPr>
+              <a:t>平台，选择导演对营销进行服务</a:t>
+            </a:r>
+            <a:endParaRPr lang="zh-CN" altLang="en-US">
+              <a:sym typeface="+mn-ea"/>
+            </a:endParaRPr>
+          </a:p>
+          <a:p>
+            <a:endParaRPr lang="zh-CN" altLang="en-US"/>
+          </a:p>
+          <a:p>
+            <a:r>
+              <a:rPr lang="zh-CN" altLang="en-US"/>
+              <a:t>导演可以上传自己的案例和介绍</a:t>
+            </a:r>
+            <a:endParaRPr lang="zh-CN" altLang="en-US"/>
+          </a:p>
+        </p:txBody>
+      </p:sp>
+      <p:pic>
+        <p:nvPicPr>
+          <p:cNvPr id="5" name="内容占位符 4"/>
+          <p:cNvPicPr>
+            <a:picLocks noChangeAspect="1"/>
+          </p:cNvPicPr>
+          <p:nvPr>
+            <p:ph sz="half" idx="2"/>
+          </p:nvPr>
+        </p:nvPicPr>
+        <p:blipFill>
+          <a:blip r:embed="rId1"/>
+          <a:stretch>
+            <a:fillRect/>
+          </a:stretch>
+        </p:blipFill>
+        <p:spPr>
+          <a:xfrm>
+            <a:off x="7818120" y="2422525"/>
+            <a:ext cx="3474720" cy="2012315"/>
+          </a:xfrm>
+          <a:prstGeom prst="rect">
+            <a:avLst/>
+          </a:prstGeom>
+        </p:spPr>
+      </p:pic>
+    </p:spTree>
+  </p:cSld>
+  <p:clrMapOvr>
+    <a:masterClrMapping/>
+  </p:clrMapOvr>
+</p:sld>
+</file>
+
+<file path=ppt/slides/slide6.xml><?xml version="1.0" encoding="utf-8"?>
+<p:sld xmlns:a="http://schemas.openxmlformats.org/drawingml/2006/main" xmlns:r="http://schemas.openxmlformats.org/officeDocument/2006/relationships" xmlns:p="http://schemas.openxmlformats.org/presentationml/2006/main">
+  <p:cSld>
+    <p:spTree>
+      <p:nvGrpSpPr>
+        <p:cNvPr id="1" name=""/>
+        <p:cNvGrpSpPr/>
+        <p:nvPr/>
+      </p:nvGrpSpPr>
+      <p:grpSpPr/>
+      <p:sp>
+        <p:nvSpPr>
+          <p:cNvPr id="2" name="标题 1"/>
+          <p:cNvSpPr>
+            <a:spLocks noGrp="1"/>
+          </p:cNvSpPr>
+          <p:nvPr>
+            <p:ph type="title"/>
+          </p:nvPr>
+        </p:nvSpPr>
+        <p:spPr/>
+        <p:txBody>
+          <a:bodyPr/>
+          <a:p>
+            <a:r>
+              <a:rPr lang="en-US" altLang="zh-CN">
+                <a:sym typeface="+mn-ea"/>
+              </a:rPr>
+              <a:t>O2O</a:t>
+            </a:r>
+            <a:r>
+              <a:rPr lang="zh-CN" altLang="en-US">
+                <a:sym typeface="+mn-ea"/>
+              </a:rPr>
+              <a:t>视频营销定制服务平台</a:t>
+            </a:r>
+            <a:endParaRPr lang="zh-CN" altLang="en-US"/>
+          </a:p>
+        </p:txBody>
+      </p:sp>
+      <p:sp>
+        <p:nvSpPr>
+          <p:cNvPr id="3" name="内容占位符 2"/>
+          <p:cNvSpPr>
+            <a:spLocks noGrp="1"/>
+          </p:cNvSpPr>
+          <p:nvPr>
+            <p:ph sz="half" idx="1"/>
+          </p:nvPr>
+        </p:nvSpPr>
+        <p:spPr/>
+        <p:txBody>
+          <a:bodyPr/>
+          <a:p>
+            <a:r>
+              <a:rPr lang="zh-CN" altLang="en-US"/>
+              <a:t>服务与资源对接的枢纽</a:t>
+            </a:r>
+            <a:endParaRPr lang="zh-CN" altLang="en-US"/>
+          </a:p>
+          <a:p>
+            <a:r>
+              <a:rPr lang="zh-CN" altLang="en-US"/>
+              <a:t>预约、支付</a:t>
+            </a:r>
+            <a:endParaRPr lang="zh-CN" altLang="en-US"/>
+          </a:p>
+          <a:p>
+            <a:r>
+              <a:rPr lang="zh-CN" altLang="en-US"/>
+              <a:t>优惠活动</a:t>
+            </a:r>
+            <a:endParaRPr lang="zh-CN" altLang="en-US"/>
+          </a:p>
+          <a:p>
+            <a:r>
+              <a:rPr lang="zh-CN" altLang="en-US"/>
+              <a:t>积分会员等</a:t>
+            </a:r>
+            <a:endParaRPr lang="zh-CN" altLang="en-US"/>
+          </a:p>
+          <a:p>
+            <a:endParaRPr lang="zh-CN" altLang="en-US"/>
+          </a:p>
+          <a:p>
+            <a:endParaRPr lang="zh-CN" altLang="en-US"/>
+          </a:p>
+        </p:txBody>
+      </p:sp>
+      <p:pic>
+        <p:nvPicPr>
+          <p:cNvPr id="5" name="内容占位符 4"/>
+          <p:cNvPicPr>
+            <a:picLocks noChangeAspect="1"/>
+          </p:cNvPicPr>
+          <p:nvPr>
+            <p:ph sz="half" idx="2"/>
+          </p:nvPr>
+        </p:nvPicPr>
+        <p:blipFill>
+          <a:blip r:embed="rId1"/>
+          <a:stretch>
+            <a:fillRect/>
+          </a:stretch>
+        </p:blipFill>
+        <p:spPr>
+          <a:xfrm>
+            <a:off x="7818120" y="2045970"/>
+            <a:ext cx="3474720" cy="2765425"/>
+          </a:xfrm>
+          <a:prstGeom prst="rect">
+            <a:avLst/>
+          </a:prstGeom>
+        </p:spPr>
+      </p:pic>
+    </p:spTree>
+  </p:cSld>
+  <p:clrMapOvr>
+    <a:masterClrMapping/>
+  </p:clrMapOvr>
+</p:sld>
+</file>
+
+<file path=ppt/slides/slide7.xml><?xml version="1.0" encoding="utf-8"?>
+<p:sld xmlns:a="http://schemas.openxmlformats.org/drawingml/2006/main" xmlns:r="http://schemas.openxmlformats.org/officeDocument/2006/relationships" xmlns:p="http://schemas.openxmlformats.org/presentationml/2006/main">
+  <p:cSld>
+    <p:spTree>
+      <p:nvGrpSpPr>
+        <p:cNvPr id="1" name=""/>
+        <p:cNvGrpSpPr/>
+        <p:nvPr/>
+      </p:nvGrpSpPr>
+      <p:grpSpPr/>
+      <p:sp>
+        <p:nvSpPr>
+          <p:cNvPr id="3" name="副标题 2"/>
+          <p:cNvSpPr>
+            <a:spLocks noGrp="1"/>
+          </p:cNvSpPr>
+          <p:nvPr>
+            <p:ph type="subTitle" idx="4294967295"/>
+          </p:nvPr>
+        </p:nvSpPr>
+        <p:spPr>
+          <a:xfrm>
+            <a:off x="0" y="4670425"/>
+            <a:ext cx="7315200" cy="914400"/>
+          </a:xfrm>
+        </p:spPr>
+        <p:txBody>
+          <a:bodyPr>
+            <a:normAutofit/>
+          </a:bodyPr>
+          <a:p>
+            <a:endParaRPr lang="zh-CN" altLang="en-US"/>
+          </a:p>
+          <a:p>
+            <a:endParaRPr lang="zh-CN" altLang="en-US"/>
+          </a:p>
+          <a:p>
+            <a:endParaRPr lang="zh-CN" altLang="en-US"/>
+          </a:p>
+        </p:txBody>
+      </p:sp>
+      <p:sp>
+        <p:nvSpPr>
+          <p:cNvPr id="16" name="Title 3"/>
+          <p:cNvSpPr>
+            <a:spLocks noGrp="1"/>
+          </p:cNvSpPr>
+          <p:nvPr/>
+        </p:nvSpPr>
+        <p:spPr>
+          <a:xfrm>
+            <a:off x="1371600" y="685800"/>
+            <a:ext cx="9601200" cy="1485900"/>
+          </a:xfrm>
+          <a:prstGeom prst="rect">
+            <a:avLst/>
+          </a:prstGeom>
+        </p:spPr>
+        <p:txBody>
+          <a:bodyPr vert="horz" lIns="91440" tIns="45720" rIns="91440" bIns="45720" rtlCol="0" anchor="t">
+            <a:normAutofit/>
+          </a:bodyPr>
+          <a:lstStyle>
+            <a:lvl1pPr algn="l" defTabSz="914400" rtl="0" eaLnBrk="1" latinLnBrk="0" hangingPunct="1">
+              <a:lnSpc>
+                <a:spcPct val="89000"/>
+              </a:lnSpc>
+              <a:spcBef>
+                <a:spcPct val="0"/>
+              </a:spcBef>
+              <a:buNone/>
+              <a:defRPr sz="4400" kern="1200" baseline="0">
+                <a:solidFill>
+                  <a:schemeClr val="tx2"/>
+                </a:solidFill>
+                <a:latin typeface="+mj-lt"/>
+                <a:ea typeface="+mj-ea"/>
+                <a:cs typeface="+mj-cs"/>
+              </a:defRPr>
+            </a:lvl1pPr>
+          </a:lstStyle>
+          <a:p>
+            <a:r>
+              <a:rPr lang="zh-CN" altLang="en-US" dirty="0">
+                <a:latin typeface="微软雅黑" panose="020B0503020204020204" charset="-122"/>
+                <a:ea typeface="微软雅黑" panose="020B0503020204020204" charset="-122"/>
+              </a:rPr>
+              <a:t>感谢观看！</a:t>
+            </a:r>
+            <a:endParaRPr lang="zh-CN" altLang="en-US" dirty="0">
+              <a:latin typeface="微软雅黑" panose="020B0503020204020204" charset="-122"/>
+              <a:ea typeface="微软雅黑" panose="020B0503020204020204" charset="-122"/>
+            </a:endParaRPr>
+          </a:p>
+        </p:txBody>
+      </p:sp>
+      <p:sp>
+        <p:nvSpPr>
+          <p:cNvPr id="17" name="矩形 11"/>
+          <p:cNvSpPr/>
+          <p:nvPr/>
+        </p:nvSpPr>
+        <p:spPr>
+          <a:xfrm>
+            <a:off x="1371600" y="1884680"/>
+            <a:ext cx="7498715" cy="368935"/>
+          </a:xfrm>
+          <a:prstGeom prst="rect">
+            <a:avLst/>
+          </a:prstGeom>
+        </p:spPr>
+        <p:txBody>
+          <a:bodyPr wrap="square" lIns="0" tIns="0" rIns="0" bIns="0">
+            <a:spAutoFit/>
+          </a:bodyPr>
+          <a:lstStyle/>
+          <a:p>
+            <a:pPr algn="l"/>
+            <a:r>
+              <a:rPr lang="zh-CN" sz="2400" b="1" dirty="0">
+                <a:latin typeface="Cambria" panose="02040503050406030204" pitchFamily="18" charset="0"/>
+                <a:ea typeface="微软雅黑" panose="020B0503020204020204" charset="-122"/>
+              </a:rPr>
+              <a:t>蔡笋</a:t>
+            </a:r>
+            <a:r>
+              <a:rPr lang="en-US" altLang="zh-CN" sz="2400" b="1" dirty="0">
+                <a:latin typeface="Cambria" panose="02040503050406030204" pitchFamily="18" charset="0"/>
+                <a:ea typeface="微软雅黑" panose="020B0503020204020204" charset="-122"/>
+              </a:rPr>
+              <a:t>    </a:t>
+            </a:r>
+            <a:r>
+              <a:rPr lang="zh-CN" altLang="en-US" sz="2400" b="1" dirty="0">
+                <a:latin typeface="Cambria" panose="02040503050406030204" pitchFamily="18" charset="0"/>
+                <a:ea typeface="微软雅黑" panose="020B0503020204020204" charset="-122"/>
+              </a:rPr>
+              <a:t>技术总监   深圳市海富特资讯管理有限公司</a:t>
+            </a:r>
+            <a:endParaRPr lang="zh-CN" altLang="en-US" sz="2400" b="1" dirty="0">
+              <a:latin typeface="Cambria" panose="02040503050406030204" pitchFamily="18" charset="0"/>
+              <a:ea typeface="微软雅黑" panose="020B0503020204020204" charset="-122"/>
+            </a:endParaRPr>
+          </a:p>
+        </p:txBody>
+      </p:sp>
+      <p:sp>
+        <p:nvSpPr>
+          <p:cNvPr id="18" name="矩形 12"/>
+          <p:cNvSpPr/>
+          <p:nvPr/>
+        </p:nvSpPr>
+        <p:spPr>
+          <a:xfrm>
+            <a:off x="1985010" y="2644140"/>
+            <a:ext cx="3719830" cy="2769989"/>
+          </a:xfrm>
+          <a:prstGeom prst="rect">
+            <a:avLst/>
+          </a:prstGeom>
+        </p:spPr>
+        <p:txBody>
+          <a:bodyPr wrap="square" lIns="0" tIns="0" rIns="0" bIns="0">
+            <a:spAutoFit/>
+          </a:bodyPr>
+          <a:lstStyle/>
+          <a:p>
+            <a:pPr algn="l"/>
+            <a:r>
+              <a:rPr lang="zh-CN" altLang="en-US" dirty="0">
+                <a:latin typeface="方正兰亭刊黑_GBK" panose="02000000000000000000" pitchFamily="2" charset="-122"/>
+                <a:ea typeface="方正兰亭刊黑_GBK" panose="02000000000000000000" pitchFamily="2" charset="-122"/>
+              </a:rPr>
+              <a:t>联系电话：</a:t>
+            </a:r>
+            <a:r>
+              <a:rPr lang="en-US" dirty="0">
+                <a:latin typeface="方正兰亭刊黑_GBK" panose="02000000000000000000" pitchFamily="2" charset="-122"/>
+                <a:ea typeface="方正兰亭刊黑_GBK" panose="02000000000000000000" pitchFamily="2" charset="-122"/>
+              </a:rPr>
+              <a:t>13751082562</a:t>
+            </a:r>
+            <a:endParaRPr lang="en-US" dirty="0">
+              <a:latin typeface="方正兰亭刊黑_GBK" panose="02000000000000000000" pitchFamily="2" charset="-122"/>
+              <a:ea typeface="方正兰亭刊黑_GBK" panose="02000000000000000000" pitchFamily="2" charset="-122"/>
+            </a:endParaRPr>
+          </a:p>
+          <a:p>
+            <a:pPr algn="l"/>
+            <a:endParaRPr lang="en-US" dirty="0">
+              <a:latin typeface="方正兰亭刊黑_GBK" panose="02000000000000000000" pitchFamily="2" charset="-122"/>
+              <a:ea typeface="方正兰亭刊黑_GBK" panose="02000000000000000000" pitchFamily="2" charset="-122"/>
+            </a:endParaRPr>
+          </a:p>
+          <a:p>
+            <a:pPr algn="l"/>
+            <a:endParaRPr lang="en-US" dirty="0">
+              <a:latin typeface="方正兰亭刊黑_GBK" panose="02000000000000000000" pitchFamily="2" charset="-122"/>
+              <a:ea typeface="方正兰亭刊黑_GBK" panose="02000000000000000000" pitchFamily="2" charset="-122"/>
+            </a:endParaRPr>
+          </a:p>
+          <a:p>
+            <a:pPr algn="l"/>
+            <a:r>
+              <a:rPr lang="zh-CN" altLang="en-US" dirty="0">
+                <a:latin typeface="方正兰亭刊黑_GBK" panose="02000000000000000000" pitchFamily="2" charset="-122"/>
+                <a:ea typeface="方正兰亭刊黑_GBK" panose="02000000000000000000" pitchFamily="2" charset="-122"/>
+                <a:sym typeface="+mn-ea"/>
+              </a:rPr>
+              <a:t>微信</a:t>
+            </a:r>
+            <a:r>
+              <a:rPr lang="en-US" altLang="zh-CN" dirty="0">
+                <a:latin typeface="方正兰亭刊黑_GBK" panose="02000000000000000000" pitchFamily="2" charset="-122"/>
+                <a:ea typeface="方正兰亭刊黑_GBK" panose="02000000000000000000" pitchFamily="2" charset="-122"/>
+                <a:sym typeface="+mn-ea"/>
+              </a:rPr>
+              <a:t>/QQ</a:t>
+            </a:r>
+            <a:r>
+              <a:rPr lang="zh-CN" altLang="en-US" dirty="0">
+                <a:latin typeface="方正兰亭刊黑_GBK" panose="02000000000000000000" pitchFamily="2" charset="-122"/>
+                <a:ea typeface="方正兰亭刊黑_GBK" panose="02000000000000000000" pitchFamily="2" charset="-122"/>
+                <a:sym typeface="+mn-ea"/>
+              </a:rPr>
+              <a:t>： </a:t>
+            </a:r>
+            <a:r>
+              <a:rPr lang="en-US" altLang="zh-CN" dirty="0">
+                <a:latin typeface="方正兰亭刊黑_GBK" panose="02000000000000000000" pitchFamily="2" charset="-122"/>
+                <a:ea typeface="方正兰亭刊黑_GBK" panose="02000000000000000000" pitchFamily="2" charset="-122"/>
+                <a:sym typeface="+mn-ea"/>
+              </a:rPr>
+              <a:t>359304951</a:t>
+            </a:r>
+            <a:endParaRPr lang="en-US" altLang="zh-CN" dirty="0">
+              <a:latin typeface="方正兰亭刊黑_GBK" panose="02000000000000000000" pitchFamily="2" charset="-122"/>
+              <a:ea typeface="方正兰亭刊黑_GBK" panose="02000000000000000000" pitchFamily="2" charset="-122"/>
+              <a:sym typeface="+mn-ea"/>
+            </a:endParaRPr>
+          </a:p>
+          <a:p>
+            <a:pPr algn="l"/>
+            <a:endParaRPr lang="en-US" altLang="zh-CN" dirty="0">
+              <a:latin typeface="方正兰亭刊黑_GBK" panose="02000000000000000000" pitchFamily="2" charset="-122"/>
+              <a:ea typeface="方正兰亭刊黑_GBK" panose="02000000000000000000" pitchFamily="2" charset="-122"/>
+              <a:sym typeface="+mn-ea"/>
+            </a:endParaRPr>
+          </a:p>
+          <a:p>
+            <a:pPr algn="l"/>
+            <a:endParaRPr lang="en-US" altLang="zh-CN" dirty="0">
+              <a:latin typeface="方正兰亭刊黑_GBK" panose="02000000000000000000" pitchFamily="2" charset="-122"/>
+              <a:ea typeface="方正兰亭刊黑_GBK" panose="02000000000000000000" pitchFamily="2" charset="-122"/>
+              <a:sym typeface="+mn-ea"/>
+            </a:endParaRPr>
+          </a:p>
+          <a:p>
+            <a:pPr algn="l"/>
+            <a:r>
+              <a:rPr lang="zh-CN" altLang="en-US" dirty="0">
+                <a:latin typeface="方正兰亭刊黑_GBK" panose="02000000000000000000" pitchFamily="2" charset="-122"/>
+                <a:ea typeface="方正兰亭刊黑_GBK" panose="02000000000000000000" pitchFamily="2" charset="-122"/>
+                <a:sym typeface="+mn-ea"/>
+              </a:rPr>
+              <a:t>邮箱：</a:t>
+            </a:r>
+            <a:r>
+              <a:rPr lang="en-US" dirty="0">
+                <a:latin typeface="方正兰亭刊黑_GBK" panose="02000000000000000000" pitchFamily="2" charset="-122"/>
+                <a:ea typeface="方正兰亭刊黑_GBK" panose="02000000000000000000" pitchFamily="2" charset="-122"/>
+                <a:sym typeface="+mn-ea"/>
+                <a:hlinkClick r:id="rId1"/>
+              </a:rPr>
+              <a:t>alucard263096@126.com</a:t>
+            </a:r>
+            <a:endParaRPr lang="en-US" dirty="0">
+              <a:latin typeface="方正兰亭刊黑_GBK" panose="02000000000000000000" pitchFamily="2" charset="-122"/>
+              <a:ea typeface="方正兰亭刊黑_GBK" panose="02000000000000000000" pitchFamily="2" charset="-122"/>
+              <a:sym typeface="+mn-ea"/>
+            </a:endParaRPr>
+          </a:p>
+          <a:p>
+            <a:pPr algn="l"/>
+            <a:endParaRPr lang="en-US" altLang="en-US" dirty="0">
+              <a:latin typeface="方正兰亭刊黑_GBK" panose="02000000000000000000" pitchFamily="2" charset="-122"/>
+              <a:ea typeface="方正兰亭刊黑_GBK" panose="02000000000000000000" pitchFamily="2" charset="-122"/>
+              <a:sym typeface="+mn-ea"/>
+            </a:endParaRPr>
+          </a:p>
+          <a:p>
+            <a:pPr algn="l"/>
+            <a:endParaRPr lang="en-US" altLang="en-US" dirty="0">
+              <a:latin typeface="方正兰亭刊黑_GBK" panose="02000000000000000000" pitchFamily="2" charset="-122"/>
+              <a:ea typeface="方正兰亭刊黑_GBK" panose="02000000000000000000" pitchFamily="2" charset="-122"/>
+              <a:sym typeface="+mn-ea"/>
+            </a:endParaRPr>
+          </a:p>
+          <a:p>
+            <a:pPr algn="l"/>
+            <a:r>
+              <a:rPr lang="en-US" altLang="en-US" dirty="0">
+                <a:latin typeface="方正兰亭刊黑_GBK" panose="02000000000000000000" pitchFamily="2" charset="-122"/>
+                <a:ea typeface="方正兰亭刊黑_GBK" panose="02000000000000000000" pitchFamily="2" charset="-122"/>
+                <a:sym typeface="+mn-ea"/>
+                <a:hlinkClick r:id="rId2"/>
+              </a:rPr>
+              <a:t>http://www.helpfooter</a:t>
+            </a:r>
+            <a:r>
+              <a:rPr lang="en-US" altLang="en-US">
+                <a:latin typeface="方正兰亭刊黑_GBK" panose="02000000000000000000" pitchFamily="2" charset="-122"/>
+                <a:ea typeface="方正兰亭刊黑_GBK" panose="02000000000000000000" pitchFamily="2" charset="-122"/>
+                <a:sym typeface="+mn-ea"/>
+                <a:hlinkClick r:id="rId2"/>
+              </a:rPr>
+              <a:t>.com</a:t>
+            </a:r>
+            <a:r>
+              <a:rPr lang="en-US" altLang="en-US">
+                <a:latin typeface="方正兰亭刊黑_GBK" panose="02000000000000000000" pitchFamily="2" charset="-122"/>
+                <a:ea typeface="方正兰亭刊黑_GBK" panose="02000000000000000000" pitchFamily="2" charset="-122"/>
+                <a:sym typeface="+mn-ea"/>
+              </a:rPr>
+              <a:t> </a:t>
+            </a:r>
+            <a:endParaRPr lang="en-US" altLang="en-US" dirty="0">
+              <a:latin typeface="方正兰亭刊黑_GBK" panose="02000000000000000000" pitchFamily="2" charset="-122"/>
+              <a:ea typeface="方正兰亭刊黑_GBK" panose="02000000000000000000" pitchFamily="2" charset="-122"/>
+              <a:sym typeface="+mn-ea"/>
+            </a:endParaRPr>
+          </a:p>
+        </p:txBody>
+      </p:sp>
+      <p:grpSp>
+        <p:nvGrpSpPr>
+          <p:cNvPr id="19" name="组合 13"/>
+          <p:cNvGrpSpPr/>
+          <p:nvPr/>
+        </p:nvGrpSpPr>
+        <p:grpSpPr>
+          <a:xfrm>
+            <a:off x="1382163" y="2523244"/>
+            <a:ext cx="419992" cy="422190"/>
+            <a:chOff x="8153944" y="1640106"/>
+            <a:chExt cx="1516063" cy="1524000"/>
+          </a:xfrm>
+          <a:solidFill>
+            <a:schemeClr val="accent4"/>
+          </a:solidFill>
+        </p:grpSpPr>
+        <p:sp>
+          <p:nvSpPr>
+            <p:cNvPr id="20" name="Freeform 5"/>
+            <p:cNvSpPr>
+              <a:spLocks noChangeAspect="1" noEditPoints="1"/>
+            </p:cNvSpPr>
+            <p:nvPr/>
+          </p:nvSpPr>
+          <p:spPr bwMode="auto">
+            <a:xfrm>
+              <a:off x="8153944" y="1640106"/>
+              <a:ext cx="1516063" cy="1524000"/>
+            </a:xfrm>
+            <a:custGeom>
+              <a:avLst/>
+              <a:gdLst>
+                <a:gd name="T0" fmla="*/ 703 w 703"/>
+                <a:gd name="T1" fmla="*/ 364 h 703"/>
+                <a:gd name="T2" fmla="*/ 701 w 703"/>
+                <a:gd name="T3" fmla="*/ 381 h 703"/>
+                <a:gd name="T4" fmla="*/ 682 w 703"/>
+                <a:gd name="T5" fmla="*/ 470 h 703"/>
+                <a:gd name="T6" fmla="*/ 637 w 703"/>
+                <a:gd name="T7" fmla="*/ 555 h 703"/>
+                <a:gd name="T8" fmla="*/ 585 w 703"/>
+                <a:gd name="T9" fmla="*/ 614 h 703"/>
+                <a:gd name="T10" fmla="*/ 490 w 703"/>
+                <a:gd name="T11" fmla="*/ 674 h 703"/>
+                <a:gd name="T12" fmla="*/ 371 w 703"/>
+                <a:gd name="T13" fmla="*/ 703 h 703"/>
+                <a:gd name="T14" fmla="*/ 330 w 703"/>
+                <a:gd name="T15" fmla="*/ 702 h 703"/>
+                <a:gd name="T16" fmla="*/ 202 w 703"/>
+                <a:gd name="T17" fmla="*/ 669 h 703"/>
+                <a:gd name="T18" fmla="*/ 103 w 703"/>
+                <a:gd name="T19" fmla="*/ 600 h 703"/>
+                <a:gd name="T20" fmla="*/ 41 w 703"/>
+                <a:gd name="T21" fmla="*/ 517 h 703"/>
+                <a:gd name="T22" fmla="*/ 5 w 703"/>
+                <a:gd name="T23" fmla="*/ 405 h 703"/>
+                <a:gd name="T24" fmla="*/ 0 w 703"/>
+                <a:gd name="T25" fmla="*/ 368 h 703"/>
+                <a:gd name="T26" fmla="*/ 1 w 703"/>
+                <a:gd name="T27" fmla="*/ 333 h 703"/>
+                <a:gd name="T28" fmla="*/ 19 w 703"/>
+                <a:gd name="T29" fmla="*/ 239 h 703"/>
+                <a:gd name="T30" fmla="*/ 100 w 703"/>
+                <a:gd name="T31" fmla="*/ 107 h 703"/>
+                <a:gd name="T32" fmla="*/ 188 w 703"/>
+                <a:gd name="T33" fmla="*/ 41 h 703"/>
+                <a:gd name="T34" fmla="*/ 341 w 703"/>
+                <a:gd name="T35" fmla="*/ 1 h 703"/>
+                <a:gd name="T36" fmla="*/ 357 w 703"/>
+                <a:gd name="T37" fmla="*/ 0 h 703"/>
+                <a:gd name="T38" fmla="*/ 401 w 703"/>
+                <a:gd name="T39" fmla="*/ 5 h 703"/>
+                <a:gd name="T40" fmla="*/ 531 w 703"/>
+                <a:gd name="T41" fmla="*/ 50 h 703"/>
+                <a:gd name="T42" fmla="*/ 648 w 703"/>
+                <a:gd name="T43" fmla="*/ 164 h 703"/>
+                <a:gd name="T44" fmla="*/ 694 w 703"/>
+                <a:gd name="T45" fmla="*/ 278 h 703"/>
+                <a:gd name="T46" fmla="*/ 702 w 703"/>
+                <a:gd name="T47" fmla="*/ 337 h 703"/>
+                <a:gd name="T48" fmla="*/ 313 w 703"/>
+                <a:gd name="T49" fmla="*/ 260 h 703"/>
+                <a:gd name="T50" fmla="*/ 302 w 703"/>
+                <a:gd name="T51" fmla="*/ 224 h 703"/>
+                <a:gd name="T52" fmla="*/ 230 w 703"/>
+                <a:gd name="T53" fmla="*/ 173 h 703"/>
+                <a:gd name="T54" fmla="*/ 174 w 703"/>
+                <a:gd name="T55" fmla="*/ 212 h 703"/>
+                <a:gd name="T56" fmla="*/ 161 w 703"/>
+                <a:gd name="T57" fmla="*/ 269 h 703"/>
+                <a:gd name="T58" fmla="*/ 224 w 703"/>
+                <a:gd name="T59" fmla="*/ 399 h 703"/>
+                <a:gd name="T60" fmla="*/ 288 w 703"/>
+                <a:gd name="T61" fmla="*/ 468 h 703"/>
+                <a:gd name="T62" fmla="*/ 358 w 703"/>
+                <a:gd name="T63" fmla="*/ 520 h 703"/>
+                <a:gd name="T64" fmla="*/ 453 w 703"/>
+                <a:gd name="T65" fmla="*/ 554 h 703"/>
+                <a:gd name="T66" fmla="*/ 513 w 703"/>
+                <a:gd name="T67" fmla="*/ 531 h 703"/>
+                <a:gd name="T68" fmla="*/ 534 w 703"/>
+                <a:gd name="T69" fmla="*/ 452 h 703"/>
+                <a:gd name="T70" fmla="*/ 470 w 703"/>
+                <a:gd name="T71" fmla="*/ 403 h 703"/>
+                <a:gd name="T72" fmla="*/ 407 w 703"/>
+                <a:gd name="T73" fmla="*/ 429 h 703"/>
+                <a:gd name="T74" fmla="*/ 384 w 703"/>
+                <a:gd name="T75" fmla="*/ 421 h 703"/>
+                <a:gd name="T76" fmla="*/ 303 w 703"/>
+                <a:gd name="T77" fmla="*/ 343 h 703"/>
+                <a:gd name="T78" fmla="*/ 286 w 703"/>
+                <a:gd name="T79" fmla="*/ 308 h 703"/>
+                <a:gd name="T80" fmla="*/ 313 w 703"/>
+                <a:gd name="T81" fmla="*/ 260 h 703"/>
+              </a:gdLst>
+              <a:ahLst/>
+              <a:cxnLst>
+                <a:cxn ang="0">
+                  <a:pos x="T0" y="T1"/>
+                </a:cxn>
+                <a:cxn ang="0">
+                  <a:pos x="T2" y="T3"/>
+                </a:cxn>
+                <a:cxn ang="0">
+                  <a:pos x="T4" y="T5"/>
+                </a:cxn>
+                <a:cxn ang="0">
+                  <a:pos x="T6" y="T7"/>
+                </a:cxn>
+                <a:cxn ang="0">
+                  <a:pos x="T8" y="T9"/>
+                </a:cxn>
+                <a:cxn ang="0">
+                  <a:pos x="T10" y="T11"/>
+                </a:cxn>
+                <a:cxn ang="0">
+                  <a:pos x="T12" y="T13"/>
+                </a:cxn>
+                <a:cxn ang="0">
+                  <a:pos x="T14" y="T15"/>
+                </a:cxn>
+                <a:cxn ang="0">
+                  <a:pos x="T16" y="T17"/>
+                </a:cxn>
+                <a:cxn ang="0">
+                  <a:pos x="T18" y="T19"/>
+                </a:cxn>
+                <a:cxn ang="0">
+                  <a:pos x="T20" y="T21"/>
+                </a:cxn>
+                <a:cxn ang="0">
+                  <a:pos x="T22" y="T23"/>
+                </a:cxn>
+                <a:cxn ang="0">
+                  <a:pos x="T24" y="T25"/>
+                </a:cxn>
+                <a:cxn ang="0">
+                  <a:pos x="T26" y="T27"/>
+                </a:cxn>
+                <a:cxn ang="0">
+                  <a:pos x="T28" y="T29"/>
+                </a:cxn>
+                <a:cxn ang="0">
+                  <a:pos x="T30" y="T31"/>
+                </a:cxn>
+                <a:cxn ang="0">
+                  <a:pos x="T32" y="T33"/>
+                </a:cxn>
+                <a:cxn ang="0">
+                  <a:pos x="T34" y="T35"/>
+                </a:cxn>
+                <a:cxn ang="0">
+                  <a:pos x="T36" y="T37"/>
+                </a:cxn>
+                <a:cxn ang="0">
+                  <a:pos x="T38" y="T39"/>
+                </a:cxn>
+                <a:cxn ang="0">
+                  <a:pos x="T40" y="T41"/>
+                </a:cxn>
+                <a:cxn ang="0">
+                  <a:pos x="T42" y="T43"/>
+                </a:cxn>
+                <a:cxn ang="0">
+                  <a:pos x="T44" y="T45"/>
+                </a:cxn>
+                <a:cxn ang="0">
+                  <a:pos x="T46" y="T47"/>
+                </a:cxn>
+                <a:cxn ang="0">
+                  <a:pos x="T48" y="T49"/>
+                </a:cxn>
+                <a:cxn ang="0">
+                  <a:pos x="T50" y="T51"/>
+                </a:cxn>
+                <a:cxn ang="0">
+                  <a:pos x="T52" y="T53"/>
+                </a:cxn>
+                <a:cxn ang="0">
+                  <a:pos x="T54" y="T55"/>
+                </a:cxn>
+                <a:cxn ang="0">
+                  <a:pos x="T56" y="T57"/>
+                </a:cxn>
+                <a:cxn ang="0">
+                  <a:pos x="T58" y="T59"/>
+                </a:cxn>
+                <a:cxn ang="0">
+                  <a:pos x="T60" y="T61"/>
+                </a:cxn>
+                <a:cxn ang="0">
+                  <a:pos x="T62" y="T63"/>
+                </a:cxn>
+                <a:cxn ang="0">
+                  <a:pos x="T64" y="T65"/>
+                </a:cxn>
+                <a:cxn ang="0">
+                  <a:pos x="T66" y="T67"/>
+                </a:cxn>
+                <a:cxn ang="0">
+                  <a:pos x="T68" y="T69"/>
+                </a:cxn>
+                <a:cxn ang="0">
+                  <a:pos x="T70" y="T71"/>
+                </a:cxn>
+                <a:cxn ang="0">
+                  <a:pos x="T72" y="T73"/>
+                </a:cxn>
+                <a:cxn ang="0">
+                  <a:pos x="T74" y="T75"/>
+                </a:cxn>
+                <a:cxn ang="0">
+                  <a:pos x="T76" y="T77"/>
+                </a:cxn>
+                <a:cxn ang="0">
+                  <a:pos x="T78" y="T79"/>
+                </a:cxn>
+                <a:cxn ang="0">
+                  <a:pos x="T80" y="T81"/>
+                </a:cxn>
+              </a:cxnLst>
+              <a:rect l="0" t="0" r="r" b="b"/>
+              <a:pathLst>
+                <a:path w="703" h="703">
+                  <a:moveTo>
+                    <a:pt x="703" y="340"/>
+                  </a:moveTo>
+                  <a:cubicBezTo>
+                    <a:pt x="703" y="348"/>
+                    <a:pt x="703" y="356"/>
+                    <a:pt x="703" y="364"/>
+                  </a:cubicBezTo>
+                  <a:cubicBezTo>
+                    <a:pt x="702" y="365"/>
+                    <a:pt x="702" y="365"/>
+                    <a:pt x="702" y="366"/>
+                  </a:cubicBezTo>
+                  <a:cubicBezTo>
+                    <a:pt x="701" y="371"/>
+                    <a:pt x="701" y="376"/>
+                    <a:pt x="701" y="381"/>
+                  </a:cubicBezTo>
+                  <a:cubicBezTo>
+                    <a:pt x="700" y="392"/>
+                    <a:pt x="699" y="404"/>
+                    <a:pt x="697" y="415"/>
+                  </a:cubicBezTo>
+                  <a:cubicBezTo>
+                    <a:pt x="693" y="434"/>
+                    <a:pt x="689" y="452"/>
+                    <a:pt x="682" y="470"/>
+                  </a:cubicBezTo>
+                  <a:cubicBezTo>
+                    <a:pt x="676" y="484"/>
+                    <a:pt x="671" y="498"/>
+                    <a:pt x="664" y="511"/>
+                  </a:cubicBezTo>
+                  <a:cubicBezTo>
+                    <a:pt x="656" y="526"/>
+                    <a:pt x="647" y="541"/>
+                    <a:pt x="637" y="555"/>
+                  </a:cubicBezTo>
+                  <a:cubicBezTo>
+                    <a:pt x="629" y="567"/>
+                    <a:pt x="619" y="578"/>
+                    <a:pt x="610" y="589"/>
+                  </a:cubicBezTo>
+                  <a:cubicBezTo>
+                    <a:pt x="602" y="598"/>
+                    <a:pt x="594" y="606"/>
+                    <a:pt x="585" y="614"/>
+                  </a:cubicBezTo>
+                  <a:cubicBezTo>
+                    <a:pt x="574" y="623"/>
+                    <a:pt x="563" y="632"/>
+                    <a:pt x="551" y="640"/>
+                  </a:cubicBezTo>
+                  <a:cubicBezTo>
+                    <a:pt x="532" y="654"/>
+                    <a:pt x="511" y="665"/>
+                    <a:pt x="490" y="674"/>
+                  </a:cubicBezTo>
+                  <a:cubicBezTo>
+                    <a:pt x="452" y="690"/>
+                    <a:pt x="414" y="700"/>
+                    <a:pt x="374" y="702"/>
+                  </a:cubicBezTo>
+                  <a:cubicBezTo>
+                    <a:pt x="373" y="702"/>
+                    <a:pt x="372" y="703"/>
+                    <a:pt x="371" y="703"/>
+                  </a:cubicBezTo>
+                  <a:cubicBezTo>
+                    <a:pt x="358" y="703"/>
+                    <a:pt x="345" y="703"/>
+                    <a:pt x="332" y="703"/>
+                  </a:cubicBezTo>
+                  <a:cubicBezTo>
+                    <a:pt x="331" y="703"/>
+                    <a:pt x="331" y="702"/>
+                    <a:pt x="330" y="702"/>
+                  </a:cubicBezTo>
+                  <a:cubicBezTo>
+                    <a:pt x="315" y="700"/>
+                    <a:pt x="299" y="699"/>
+                    <a:pt x="284" y="696"/>
+                  </a:cubicBezTo>
+                  <a:cubicBezTo>
+                    <a:pt x="256" y="691"/>
+                    <a:pt x="228" y="682"/>
+                    <a:pt x="202" y="669"/>
+                  </a:cubicBezTo>
+                  <a:cubicBezTo>
+                    <a:pt x="184" y="661"/>
+                    <a:pt x="167" y="651"/>
+                    <a:pt x="151" y="640"/>
+                  </a:cubicBezTo>
+                  <a:cubicBezTo>
+                    <a:pt x="134" y="628"/>
+                    <a:pt x="118" y="614"/>
+                    <a:pt x="103" y="600"/>
+                  </a:cubicBezTo>
+                  <a:cubicBezTo>
+                    <a:pt x="94" y="591"/>
+                    <a:pt x="87" y="582"/>
+                    <a:pt x="79" y="573"/>
+                  </a:cubicBezTo>
+                  <a:cubicBezTo>
+                    <a:pt x="64" y="555"/>
+                    <a:pt x="52" y="536"/>
+                    <a:pt x="41" y="517"/>
+                  </a:cubicBezTo>
+                  <a:cubicBezTo>
+                    <a:pt x="28" y="491"/>
+                    <a:pt x="17" y="463"/>
+                    <a:pt x="10" y="434"/>
+                  </a:cubicBezTo>
+                  <a:cubicBezTo>
+                    <a:pt x="8" y="425"/>
+                    <a:pt x="6" y="415"/>
+                    <a:pt x="5" y="405"/>
+                  </a:cubicBezTo>
+                  <a:cubicBezTo>
+                    <a:pt x="3" y="393"/>
+                    <a:pt x="2" y="382"/>
+                    <a:pt x="1" y="370"/>
+                  </a:cubicBezTo>
+                  <a:cubicBezTo>
+                    <a:pt x="1" y="369"/>
+                    <a:pt x="0" y="369"/>
+                    <a:pt x="0" y="368"/>
+                  </a:cubicBezTo>
+                  <a:cubicBezTo>
+                    <a:pt x="0" y="357"/>
+                    <a:pt x="0" y="347"/>
+                    <a:pt x="0" y="336"/>
+                  </a:cubicBezTo>
+                  <a:cubicBezTo>
+                    <a:pt x="1" y="335"/>
+                    <a:pt x="1" y="334"/>
+                    <a:pt x="1" y="333"/>
+                  </a:cubicBezTo>
+                  <a:cubicBezTo>
+                    <a:pt x="2" y="323"/>
+                    <a:pt x="3" y="312"/>
+                    <a:pt x="4" y="301"/>
+                  </a:cubicBezTo>
+                  <a:cubicBezTo>
+                    <a:pt x="7" y="280"/>
+                    <a:pt x="12" y="259"/>
+                    <a:pt x="19" y="239"/>
+                  </a:cubicBezTo>
+                  <a:cubicBezTo>
+                    <a:pt x="27" y="216"/>
+                    <a:pt x="37" y="194"/>
+                    <a:pt x="49" y="173"/>
+                  </a:cubicBezTo>
+                  <a:cubicBezTo>
+                    <a:pt x="63" y="149"/>
+                    <a:pt x="80" y="127"/>
+                    <a:pt x="100" y="107"/>
+                  </a:cubicBezTo>
+                  <a:cubicBezTo>
+                    <a:pt x="110" y="97"/>
+                    <a:pt x="121" y="87"/>
+                    <a:pt x="132" y="78"/>
+                  </a:cubicBezTo>
+                  <a:cubicBezTo>
+                    <a:pt x="149" y="64"/>
+                    <a:pt x="168" y="52"/>
+                    <a:pt x="188" y="41"/>
+                  </a:cubicBezTo>
+                  <a:cubicBezTo>
+                    <a:pt x="215" y="27"/>
+                    <a:pt x="243" y="16"/>
+                    <a:pt x="273" y="10"/>
+                  </a:cubicBezTo>
+                  <a:cubicBezTo>
+                    <a:pt x="296" y="5"/>
+                    <a:pt x="318" y="1"/>
+                    <a:pt x="341" y="1"/>
+                  </a:cubicBezTo>
+                  <a:cubicBezTo>
+                    <a:pt x="343" y="1"/>
+                    <a:pt x="344" y="1"/>
+                    <a:pt x="345" y="0"/>
+                  </a:cubicBezTo>
+                  <a:cubicBezTo>
+                    <a:pt x="349" y="0"/>
+                    <a:pt x="353" y="0"/>
+                    <a:pt x="357" y="0"/>
+                  </a:cubicBezTo>
+                  <a:cubicBezTo>
+                    <a:pt x="359" y="1"/>
+                    <a:pt x="360" y="1"/>
+                    <a:pt x="361" y="1"/>
+                  </a:cubicBezTo>
+                  <a:cubicBezTo>
+                    <a:pt x="374" y="2"/>
+                    <a:pt x="387" y="3"/>
+                    <a:pt x="401" y="5"/>
+                  </a:cubicBezTo>
+                  <a:cubicBezTo>
+                    <a:pt x="422" y="7"/>
+                    <a:pt x="442" y="12"/>
+                    <a:pt x="462" y="19"/>
+                  </a:cubicBezTo>
+                  <a:cubicBezTo>
+                    <a:pt x="486" y="27"/>
+                    <a:pt x="509" y="37"/>
+                    <a:pt x="531" y="50"/>
+                  </a:cubicBezTo>
+                  <a:cubicBezTo>
+                    <a:pt x="559" y="67"/>
+                    <a:pt x="585" y="88"/>
+                    <a:pt x="608" y="112"/>
+                  </a:cubicBezTo>
+                  <a:cubicBezTo>
+                    <a:pt x="623" y="128"/>
+                    <a:pt x="636" y="145"/>
+                    <a:pt x="648" y="164"/>
+                  </a:cubicBezTo>
+                  <a:cubicBezTo>
+                    <a:pt x="659" y="181"/>
+                    <a:pt x="668" y="200"/>
+                    <a:pt x="676" y="219"/>
+                  </a:cubicBezTo>
+                  <a:cubicBezTo>
+                    <a:pt x="684" y="238"/>
+                    <a:pt x="690" y="258"/>
+                    <a:pt x="694" y="278"/>
+                  </a:cubicBezTo>
+                  <a:cubicBezTo>
+                    <a:pt x="697" y="289"/>
+                    <a:pt x="699" y="300"/>
+                    <a:pt x="700" y="311"/>
+                  </a:cubicBezTo>
+                  <a:cubicBezTo>
+                    <a:pt x="701" y="320"/>
+                    <a:pt x="701" y="329"/>
+                    <a:pt x="702" y="337"/>
+                  </a:cubicBezTo>
+                  <a:cubicBezTo>
+                    <a:pt x="702" y="338"/>
+                    <a:pt x="702" y="339"/>
+                    <a:pt x="703" y="340"/>
+                  </a:cubicBezTo>
+                  <a:close/>
+                  <a:moveTo>
+                    <a:pt x="313" y="260"/>
+                  </a:moveTo>
+                  <a:cubicBezTo>
+                    <a:pt x="313" y="257"/>
+                    <a:pt x="313" y="254"/>
+                    <a:pt x="313" y="251"/>
+                  </a:cubicBezTo>
+                  <a:cubicBezTo>
+                    <a:pt x="311" y="241"/>
+                    <a:pt x="307" y="233"/>
+                    <a:pt x="302" y="224"/>
+                  </a:cubicBezTo>
+                  <a:cubicBezTo>
+                    <a:pt x="293" y="209"/>
+                    <a:pt x="282" y="195"/>
+                    <a:pt x="268" y="184"/>
+                  </a:cubicBezTo>
+                  <a:cubicBezTo>
+                    <a:pt x="257" y="175"/>
+                    <a:pt x="244" y="171"/>
+                    <a:pt x="230" y="173"/>
+                  </a:cubicBezTo>
+                  <a:cubicBezTo>
+                    <a:pt x="216" y="175"/>
+                    <a:pt x="205" y="181"/>
+                    <a:pt x="195" y="191"/>
+                  </a:cubicBezTo>
+                  <a:cubicBezTo>
+                    <a:pt x="188" y="198"/>
+                    <a:pt x="181" y="205"/>
+                    <a:pt x="174" y="212"/>
+                  </a:cubicBezTo>
+                  <a:cubicBezTo>
+                    <a:pt x="170" y="217"/>
+                    <a:pt x="167" y="222"/>
+                    <a:pt x="165" y="228"/>
+                  </a:cubicBezTo>
+                  <a:cubicBezTo>
+                    <a:pt x="159" y="241"/>
+                    <a:pt x="160" y="255"/>
+                    <a:pt x="161" y="269"/>
+                  </a:cubicBezTo>
+                  <a:cubicBezTo>
+                    <a:pt x="164" y="291"/>
+                    <a:pt x="172" y="312"/>
+                    <a:pt x="182" y="332"/>
+                  </a:cubicBezTo>
+                  <a:cubicBezTo>
+                    <a:pt x="193" y="356"/>
+                    <a:pt x="207" y="379"/>
+                    <a:pt x="224" y="399"/>
+                  </a:cubicBezTo>
+                  <a:cubicBezTo>
+                    <a:pt x="237" y="415"/>
+                    <a:pt x="250" y="430"/>
+                    <a:pt x="264" y="445"/>
+                  </a:cubicBezTo>
+                  <a:cubicBezTo>
+                    <a:pt x="271" y="454"/>
+                    <a:pt x="280" y="461"/>
+                    <a:pt x="288" y="468"/>
+                  </a:cubicBezTo>
+                  <a:cubicBezTo>
+                    <a:pt x="298" y="477"/>
+                    <a:pt x="309" y="486"/>
+                    <a:pt x="319" y="494"/>
+                  </a:cubicBezTo>
+                  <a:cubicBezTo>
+                    <a:pt x="332" y="503"/>
+                    <a:pt x="345" y="512"/>
+                    <a:pt x="358" y="520"/>
+                  </a:cubicBezTo>
+                  <a:cubicBezTo>
+                    <a:pt x="375" y="530"/>
+                    <a:pt x="393" y="539"/>
+                    <a:pt x="412" y="545"/>
+                  </a:cubicBezTo>
+                  <a:cubicBezTo>
+                    <a:pt x="425" y="550"/>
+                    <a:pt x="439" y="553"/>
+                    <a:pt x="453" y="554"/>
+                  </a:cubicBezTo>
+                  <a:cubicBezTo>
+                    <a:pt x="466" y="555"/>
+                    <a:pt x="479" y="554"/>
+                    <a:pt x="491" y="549"/>
+                  </a:cubicBezTo>
+                  <a:cubicBezTo>
+                    <a:pt x="500" y="545"/>
+                    <a:pt x="506" y="538"/>
+                    <a:pt x="513" y="531"/>
+                  </a:cubicBezTo>
+                  <a:cubicBezTo>
+                    <a:pt x="521" y="523"/>
+                    <a:pt x="529" y="515"/>
+                    <a:pt x="535" y="505"/>
+                  </a:cubicBezTo>
+                  <a:cubicBezTo>
+                    <a:pt x="545" y="487"/>
+                    <a:pt x="545" y="469"/>
+                    <a:pt x="534" y="452"/>
+                  </a:cubicBezTo>
+                  <a:cubicBezTo>
+                    <a:pt x="528" y="442"/>
+                    <a:pt x="520" y="434"/>
+                    <a:pt x="512" y="428"/>
+                  </a:cubicBezTo>
+                  <a:cubicBezTo>
+                    <a:pt x="499" y="417"/>
+                    <a:pt x="486" y="408"/>
+                    <a:pt x="470" y="403"/>
+                  </a:cubicBezTo>
+                  <a:cubicBezTo>
+                    <a:pt x="455" y="399"/>
+                    <a:pt x="441" y="401"/>
+                    <a:pt x="429" y="409"/>
+                  </a:cubicBezTo>
+                  <a:cubicBezTo>
+                    <a:pt x="421" y="415"/>
+                    <a:pt x="414" y="422"/>
+                    <a:pt x="407" y="429"/>
+                  </a:cubicBezTo>
+                  <a:cubicBezTo>
+                    <a:pt x="405" y="430"/>
+                    <a:pt x="403" y="431"/>
+                    <a:pt x="401" y="430"/>
+                  </a:cubicBezTo>
+                  <a:cubicBezTo>
+                    <a:pt x="395" y="427"/>
+                    <a:pt x="389" y="425"/>
+                    <a:pt x="384" y="421"/>
+                  </a:cubicBezTo>
+                  <a:cubicBezTo>
+                    <a:pt x="369" y="409"/>
+                    <a:pt x="355" y="397"/>
+                    <a:pt x="341" y="384"/>
+                  </a:cubicBezTo>
+                  <a:cubicBezTo>
+                    <a:pt x="328" y="372"/>
+                    <a:pt x="315" y="357"/>
+                    <a:pt x="303" y="343"/>
+                  </a:cubicBezTo>
+                  <a:cubicBezTo>
+                    <a:pt x="296" y="335"/>
+                    <a:pt x="289" y="326"/>
+                    <a:pt x="285" y="315"/>
+                  </a:cubicBezTo>
+                  <a:cubicBezTo>
+                    <a:pt x="284" y="312"/>
+                    <a:pt x="284" y="310"/>
+                    <a:pt x="286" y="308"/>
+                  </a:cubicBezTo>
+                  <a:cubicBezTo>
+                    <a:pt x="291" y="304"/>
+                    <a:pt x="295" y="299"/>
+                    <a:pt x="300" y="294"/>
+                  </a:cubicBezTo>
+                  <a:cubicBezTo>
+                    <a:pt x="308" y="284"/>
+                    <a:pt x="314" y="274"/>
+                    <a:pt x="313" y="260"/>
+                  </a:cubicBezTo>
+                  <a:close/>
+                </a:path>
+              </a:pathLst>
+            </a:custGeom>
+            <a:grpFill/>
+            <a:ln>
+              <a:noFill/>
+            </a:ln>
+          </p:spPr>
+          <p:txBody>
+            <a:bodyPr vert="horz" wrap="square" lIns="91440" tIns="45720" rIns="91440" bIns="45720" numCol="1" anchor="t" anchorCtr="0" compatLnSpc="1"/>
+            <a:lstStyle/>
+            <a:p>
+              <a:endParaRPr lang="zh-CN" altLang="en-US"/>
+            </a:p>
+          </p:txBody>
+        </p:sp>
+        <p:sp>
+          <p:nvSpPr>
+            <p:cNvPr id="21" name="Freeform 6"/>
+            <p:cNvSpPr/>
+            <p:nvPr/>
+          </p:nvSpPr>
+          <p:spPr bwMode="auto">
+            <a:xfrm>
+              <a:off x="8563523" y="2076668"/>
+              <a:ext cx="701675" cy="698500"/>
+            </a:xfrm>
+            <a:custGeom>
+              <a:avLst/>
+              <a:gdLst>
+                <a:gd name="T0" fmla="*/ 215 w 325"/>
+                <a:gd name="T1" fmla="*/ 261 h 323"/>
+                <a:gd name="T2" fmla="*/ 238 w 325"/>
+                <a:gd name="T3" fmla="*/ 251 h 323"/>
+                <a:gd name="T4" fmla="*/ 252 w 325"/>
+                <a:gd name="T5" fmla="*/ 237 h 323"/>
+                <a:gd name="T6" fmla="*/ 273 w 325"/>
+                <a:gd name="T7" fmla="*/ 233 h 323"/>
+                <a:gd name="T8" fmla="*/ 315 w 325"/>
+                <a:gd name="T9" fmla="*/ 264 h 323"/>
+                <a:gd name="T10" fmla="*/ 314 w 325"/>
+                <a:gd name="T11" fmla="*/ 294 h 323"/>
+                <a:gd name="T12" fmla="*/ 289 w 325"/>
+                <a:gd name="T13" fmla="*/ 318 h 323"/>
+                <a:gd name="T14" fmla="*/ 273 w 325"/>
+                <a:gd name="T15" fmla="*/ 322 h 323"/>
+                <a:gd name="T16" fmla="*/ 231 w 325"/>
+                <a:gd name="T17" fmla="*/ 314 h 323"/>
+                <a:gd name="T18" fmla="*/ 164 w 325"/>
+                <a:gd name="T19" fmla="*/ 279 h 323"/>
+                <a:gd name="T20" fmla="*/ 125 w 325"/>
+                <a:gd name="T21" fmla="*/ 249 h 323"/>
+                <a:gd name="T22" fmla="*/ 84 w 325"/>
+                <a:gd name="T23" fmla="*/ 209 h 323"/>
+                <a:gd name="T24" fmla="*/ 27 w 325"/>
+                <a:gd name="T25" fmla="*/ 131 h 323"/>
+                <a:gd name="T26" fmla="*/ 4 w 325"/>
+                <a:gd name="T27" fmla="*/ 71 h 323"/>
+                <a:gd name="T28" fmla="*/ 3 w 325"/>
+                <a:gd name="T29" fmla="*/ 40 h 323"/>
+                <a:gd name="T30" fmla="*/ 6 w 325"/>
+                <a:gd name="T31" fmla="*/ 34 h 323"/>
+                <a:gd name="T32" fmla="*/ 32 w 325"/>
+                <a:gd name="T33" fmla="*/ 9 h 323"/>
+                <a:gd name="T34" fmla="*/ 61 w 325"/>
+                <a:gd name="T35" fmla="*/ 10 h 323"/>
+                <a:gd name="T36" fmla="*/ 90 w 325"/>
+                <a:gd name="T37" fmla="*/ 50 h 323"/>
+                <a:gd name="T38" fmla="*/ 85 w 325"/>
+                <a:gd name="T39" fmla="*/ 73 h 323"/>
+                <a:gd name="T40" fmla="*/ 69 w 325"/>
+                <a:gd name="T41" fmla="*/ 91 h 323"/>
+                <a:gd name="T42" fmla="*/ 63 w 325"/>
+                <a:gd name="T43" fmla="*/ 110 h 323"/>
+                <a:gd name="T44" fmla="*/ 86 w 325"/>
+                <a:gd name="T45" fmla="*/ 159 h 323"/>
+                <a:gd name="T46" fmla="*/ 137 w 325"/>
+                <a:gd name="T47" fmla="*/ 214 h 323"/>
+                <a:gd name="T48" fmla="*/ 183 w 325"/>
+                <a:gd name="T49" fmla="*/ 250 h 323"/>
+                <a:gd name="T50" fmla="*/ 215 w 325"/>
+                <a:gd name="T51" fmla="*/ 261 h 323"/>
+              </a:gdLst>
+              <a:ahLst/>
+              <a:cxnLst>
+                <a:cxn ang="0">
+                  <a:pos x="T0" y="T1"/>
+                </a:cxn>
+                <a:cxn ang="0">
+                  <a:pos x="T2" y="T3"/>
+                </a:cxn>
+                <a:cxn ang="0">
+                  <a:pos x="T4" y="T5"/>
+                </a:cxn>
+                <a:cxn ang="0">
+                  <a:pos x="T6" y="T7"/>
+                </a:cxn>
+                <a:cxn ang="0">
+                  <a:pos x="T8" y="T9"/>
+                </a:cxn>
+                <a:cxn ang="0">
+                  <a:pos x="T10" y="T11"/>
+                </a:cxn>
+                <a:cxn ang="0">
+                  <a:pos x="T12" y="T13"/>
+                </a:cxn>
+                <a:cxn ang="0">
+                  <a:pos x="T14" y="T15"/>
+                </a:cxn>
+                <a:cxn ang="0">
+                  <a:pos x="T16" y="T17"/>
+                </a:cxn>
+                <a:cxn ang="0">
+                  <a:pos x="T18" y="T19"/>
+                </a:cxn>
+                <a:cxn ang="0">
+                  <a:pos x="T20" y="T21"/>
+                </a:cxn>
+                <a:cxn ang="0">
+                  <a:pos x="T22" y="T23"/>
+                </a:cxn>
+                <a:cxn ang="0">
+                  <a:pos x="T24" y="T25"/>
+                </a:cxn>
+                <a:cxn ang="0">
+                  <a:pos x="T26" y="T27"/>
+                </a:cxn>
+                <a:cxn ang="0">
+                  <a:pos x="T28" y="T29"/>
+                </a:cxn>
+                <a:cxn ang="0">
+                  <a:pos x="T30" y="T31"/>
+                </a:cxn>
+                <a:cxn ang="0">
+                  <a:pos x="T32" y="T33"/>
+                </a:cxn>
+                <a:cxn ang="0">
+                  <a:pos x="T34" y="T35"/>
+                </a:cxn>
+                <a:cxn ang="0">
+                  <a:pos x="T36" y="T37"/>
+                </a:cxn>
+                <a:cxn ang="0">
+                  <a:pos x="T38" y="T39"/>
+                </a:cxn>
+                <a:cxn ang="0">
+                  <a:pos x="T40" y="T41"/>
+                </a:cxn>
+                <a:cxn ang="0">
+                  <a:pos x="T42" y="T43"/>
+                </a:cxn>
+                <a:cxn ang="0">
+                  <a:pos x="T44" y="T45"/>
+                </a:cxn>
+                <a:cxn ang="0">
+                  <a:pos x="T46" y="T47"/>
+                </a:cxn>
+                <a:cxn ang="0">
+                  <a:pos x="T48" y="T49"/>
+                </a:cxn>
+                <a:cxn ang="0">
+                  <a:pos x="T50" y="T51"/>
+                </a:cxn>
+              </a:cxnLst>
+              <a:rect l="0" t="0" r="r" b="b"/>
+              <a:pathLst>
+                <a:path w="325" h="323">
+                  <a:moveTo>
+                    <a:pt x="215" y="261"/>
+                  </a:moveTo>
+                  <a:cubicBezTo>
+                    <a:pt x="224" y="261"/>
+                    <a:pt x="231" y="258"/>
+                    <a:pt x="238" y="251"/>
+                  </a:cubicBezTo>
+                  <a:cubicBezTo>
+                    <a:pt x="242" y="247"/>
+                    <a:pt x="247" y="242"/>
+                    <a:pt x="252" y="237"/>
+                  </a:cubicBezTo>
+                  <a:cubicBezTo>
+                    <a:pt x="258" y="232"/>
+                    <a:pt x="265" y="230"/>
+                    <a:pt x="273" y="233"/>
+                  </a:cubicBezTo>
+                  <a:cubicBezTo>
+                    <a:pt x="289" y="240"/>
+                    <a:pt x="304" y="250"/>
+                    <a:pt x="315" y="264"/>
+                  </a:cubicBezTo>
+                  <a:cubicBezTo>
+                    <a:pt x="325" y="276"/>
+                    <a:pt x="323" y="282"/>
+                    <a:pt x="314" y="294"/>
+                  </a:cubicBezTo>
+                  <a:cubicBezTo>
+                    <a:pt x="306" y="302"/>
+                    <a:pt x="298" y="310"/>
+                    <a:pt x="289" y="318"/>
+                  </a:cubicBezTo>
+                  <a:cubicBezTo>
+                    <a:pt x="285" y="322"/>
+                    <a:pt x="279" y="322"/>
+                    <a:pt x="273" y="322"/>
+                  </a:cubicBezTo>
+                  <a:cubicBezTo>
+                    <a:pt x="259" y="323"/>
+                    <a:pt x="245" y="319"/>
+                    <a:pt x="231" y="314"/>
+                  </a:cubicBezTo>
+                  <a:cubicBezTo>
+                    <a:pt x="207" y="305"/>
+                    <a:pt x="185" y="293"/>
+                    <a:pt x="164" y="279"/>
+                  </a:cubicBezTo>
+                  <a:cubicBezTo>
+                    <a:pt x="150" y="269"/>
+                    <a:pt x="137" y="260"/>
+                    <a:pt x="125" y="249"/>
+                  </a:cubicBezTo>
+                  <a:cubicBezTo>
+                    <a:pt x="111" y="236"/>
+                    <a:pt x="97" y="223"/>
+                    <a:pt x="84" y="209"/>
+                  </a:cubicBezTo>
+                  <a:cubicBezTo>
+                    <a:pt x="62" y="186"/>
+                    <a:pt x="43" y="160"/>
+                    <a:pt x="27" y="131"/>
+                  </a:cubicBezTo>
+                  <a:cubicBezTo>
+                    <a:pt x="17" y="112"/>
+                    <a:pt x="8" y="92"/>
+                    <a:pt x="4" y="71"/>
+                  </a:cubicBezTo>
+                  <a:cubicBezTo>
+                    <a:pt x="1" y="61"/>
+                    <a:pt x="0" y="50"/>
+                    <a:pt x="3" y="40"/>
+                  </a:cubicBezTo>
+                  <a:cubicBezTo>
+                    <a:pt x="4" y="38"/>
+                    <a:pt x="5" y="35"/>
+                    <a:pt x="6" y="34"/>
+                  </a:cubicBezTo>
+                  <a:cubicBezTo>
+                    <a:pt x="15" y="25"/>
+                    <a:pt x="23" y="16"/>
+                    <a:pt x="32" y="9"/>
+                  </a:cubicBezTo>
+                  <a:cubicBezTo>
+                    <a:pt x="43" y="0"/>
+                    <a:pt x="50" y="0"/>
+                    <a:pt x="61" y="10"/>
+                  </a:cubicBezTo>
+                  <a:cubicBezTo>
+                    <a:pt x="74" y="21"/>
+                    <a:pt x="84" y="34"/>
+                    <a:pt x="90" y="50"/>
+                  </a:cubicBezTo>
+                  <a:cubicBezTo>
+                    <a:pt x="94" y="59"/>
+                    <a:pt x="92" y="67"/>
+                    <a:pt x="85" y="73"/>
+                  </a:cubicBezTo>
+                  <a:cubicBezTo>
+                    <a:pt x="80" y="79"/>
+                    <a:pt x="74" y="85"/>
+                    <a:pt x="69" y="91"/>
+                  </a:cubicBezTo>
+                  <a:cubicBezTo>
+                    <a:pt x="64" y="96"/>
+                    <a:pt x="63" y="103"/>
+                    <a:pt x="63" y="110"/>
+                  </a:cubicBezTo>
+                  <a:cubicBezTo>
+                    <a:pt x="64" y="130"/>
+                    <a:pt x="75" y="144"/>
+                    <a:pt x="86" y="159"/>
+                  </a:cubicBezTo>
+                  <a:cubicBezTo>
+                    <a:pt x="101" y="179"/>
+                    <a:pt x="119" y="197"/>
+                    <a:pt x="137" y="214"/>
+                  </a:cubicBezTo>
+                  <a:cubicBezTo>
+                    <a:pt x="151" y="227"/>
+                    <a:pt x="166" y="240"/>
+                    <a:pt x="183" y="250"/>
+                  </a:cubicBezTo>
+                  <a:cubicBezTo>
+                    <a:pt x="193" y="256"/>
+                    <a:pt x="203" y="261"/>
+                    <a:pt x="215" y="261"/>
+                  </a:cubicBezTo>
+                  <a:close/>
+                </a:path>
+              </a:pathLst>
+            </a:custGeom>
+            <a:grpFill/>
+            <a:ln>
+              <a:noFill/>
+            </a:ln>
+          </p:spPr>
+          <p:txBody>
+            <a:bodyPr vert="horz" wrap="square" lIns="91440" tIns="45720" rIns="91440" bIns="45720" numCol="1" anchor="t" anchorCtr="0" compatLnSpc="1"/>
+            <a:lstStyle/>
+            <a:p>
+              <a:endParaRPr lang="zh-CN" altLang="en-US"/>
+            </a:p>
+          </p:txBody>
+        </p:sp>
+      </p:grpSp>
+      <p:sp>
+        <p:nvSpPr>
+          <p:cNvPr id="22" name="Freeform 18"/>
+          <p:cNvSpPr>
+            <a:spLocks noEditPoints="1"/>
+          </p:cNvSpPr>
+          <p:nvPr/>
+        </p:nvSpPr>
+        <p:spPr bwMode="auto">
+          <a:xfrm>
+            <a:off x="1382243" y="3391554"/>
+            <a:ext cx="424564" cy="426148"/>
+          </a:xfrm>
+          <a:custGeom>
+            <a:avLst/>
+            <a:gdLst>
+              <a:gd name="T0" fmla="*/ 394 w 789"/>
+              <a:gd name="T1" fmla="*/ 0 h 789"/>
+              <a:gd name="T2" fmla="*/ 0 w 789"/>
+              <a:gd name="T3" fmla="*/ 395 h 789"/>
+              <a:gd name="T4" fmla="*/ 394 w 789"/>
+              <a:gd name="T5" fmla="*/ 789 h 789"/>
+              <a:gd name="T6" fmla="*/ 789 w 789"/>
+              <a:gd name="T7" fmla="*/ 395 h 789"/>
+              <a:gd name="T8" fmla="*/ 394 w 789"/>
+              <a:gd name="T9" fmla="*/ 0 h 789"/>
+              <a:gd name="T10" fmla="*/ 151 w 789"/>
+              <a:gd name="T11" fmla="*/ 583 h 789"/>
+              <a:gd name="T12" fmla="*/ 161 w 789"/>
+              <a:gd name="T13" fmla="*/ 519 h 789"/>
+              <a:gd name="T14" fmla="*/ 238 w 789"/>
+              <a:gd name="T15" fmla="*/ 479 h 789"/>
+              <a:gd name="T16" fmla="*/ 295 w 789"/>
+              <a:gd name="T17" fmla="*/ 439 h 789"/>
+              <a:gd name="T18" fmla="*/ 293 w 789"/>
+              <a:gd name="T19" fmla="*/ 409 h 789"/>
+              <a:gd name="T20" fmla="*/ 252 w 789"/>
+              <a:gd name="T21" fmla="*/ 368 h 789"/>
+              <a:gd name="T22" fmla="*/ 233 w 789"/>
+              <a:gd name="T23" fmla="*/ 345 h 789"/>
+              <a:gd name="T24" fmla="*/ 240 w 789"/>
+              <a:gd name="T25" fmla="*/ 304 h 789"/>
+              <a:gd name="T26" fmla="*/ 247 w 789"/>
+              <a:gd name="T27" fmla="*/ 295 h 789"/>
+              <a:gd name="T28" fmla="*/ 247 w 789"/>
+              <a:gd name="T29" fmla="*/ 237 h 789"/>
+              <a:gd name="T30" fmla="*/ 278 w 789"/>
+              <a:gd name="T31" fmla="*/ 193 h 789"/>
+              <a:gd name="T32" fmla="*/ 299 w 789"/>
+              <a:gd name="T33" fmla="*/ 190 h 789"/>
+              <a:gd name="T34" fmla="*/ 318 w 789"/>
+              <a:gd name="T35" fmla="*/ 185 h 789"/>
+              <a:gd name="T36" fmla="*/ 346 w 789"/>
+              <a:gd name="T37" fmla="*/ 179 h 789"/>
+              <a:gd name="T38" fmla="*/ 376 w 789"/>
+              <a:gd name="T39" fmla="*/ 203 h 789"/>
+              <a:gd name="T40" fmla="*/ 400 w 789"/>
+              <a:gd name="T41" fmla="*/ 202 h 789"/>
+              <a:gd name="T42" fmla="*/ 420 w 789"/>
+              <a:gd name="T43" fmla="*/ 248 h 789"/>
+              <a:gd name="T44" fmla="*/ 421 w 789"/>
+              <a:gd name="T45" fmla="*/ 297 h 789"/>
+              <a:gd name="T46" fmla="*/ 425 w 789"/>
+              <a:gd name="T47" fmla="*/ 305 h 789"/>
+              <a:gd name="T48" fmla="*/ 436 w 789"/>
+              <a:gd name="T49" fmla="*/ 346 h 789"/>
+              <a:gd name="T50" fmla="*/ 412 w 789"/>
+              <a:gd name="T51" fmla="*/ 368 h 789"/>
+              <a:gd name="T52" fmla="*/ 373 w 789"/>
+              <a:gd name="T53" fmla="*/ 414 h 789"/>
+              <a:gd name="T54" fmla="*/ 373 w 789"/>
+              <a:gd name="T55" fmla="*/ 442 h 789"/>
+              <a:gd name="T56" fmla="*/ 421 w 789"/>
+              <a:gd name="T57" fmla="*/ 479 h 789"/>
+              <a:gd name="T58" fmla="*/ 504 w 789"/>
+              <a:gd name="T59" fmla="*/ 519 h 789"/>
+              <a:gd name="T60" fmla="*/ 517 w 789"/>
+              <a:gd name="T61" fmla="*/ 583 h 789"/>
+              <a:gd name="T62" fmla="*/ 151 w 789"/>
+              <a:gd name="T63" fmla="*/ 583 h 789"/>
+              <a:gd name="T64" fmla="*/ 533 w 789"/>
+              <a:gd name="T65" fmla="*/ 582 h 789"/>
+              <a:gd name="T66" fmla="*/ 521 w 789"/>
+              <a:gd name="T67" fmla="*/ 513 h 789"/>
+              <a:gd name="T68" fmla="*/ 478 w 789"/>
+              <a:gd name="T69" fmla="*/ 476 h 789"/>
+              <a:gd name="T70" fmla="*/ 480 w 789"/>
+              <a:gd name="T71" fmla="*/ 452 h 789"/>
+              <a:gd name="T72" fmla="*/ 453 w 789"/>
+              <a:gd name="T73" fmla="*/ 421 h 789"/>
+              <a:gd name="T74" fmla="*/ 438 w 789"/>
+              <a:gd name="T75" fmla="*/ 403 h 789"/>
+              <a:gd name="T76" fmla="*/ 446 w 789"/>
+              <a:gd name="T77" fmla="*/ 372 h 789"/>
+              <a:gd name="T78" fmla="*/ 453 w 789"/>
+              <a:gd name="T79" fmla="*/ 365 h 789"/>
+              <a:gd name="T80" fmla="*/ 454 w 789"/>
+              <a:gd name="T81" fmla="*/ 320 h 789"/>
+              <a:gd name="T82" fmla="*/ 474 w 789"/>
+              <a:gd name="T83" fmla="*/ 287 h 789"/>
+              <a:gd name="T84" fmla="*/ 487 w 789"/>
+              <a:gd name="T85" fmla="*/ 284 h 789"/>
+              <a:gd name="T86" fmla="*/ 501 w 789"/>
+              <a:gd name="T87" fmla="*/ 280 h 789"/>
+              <a:gd name="T88" fmla="*/ 523 w 789"/>
+              <a:gd name="T89" fmla="*/ 276 h 789"/>
+              <a:gd name="T90" fmla="*/ 545 w 789"/>
+              <a:gd name="T91" fmla="*/ 292 h 789"/>
+              <a:gd name="T92" fmla="*/ 557 w 789"/>
+              <a:gd name="T93" fmla="*/ 292 h 789"/>
+              <a:gd name="T94" fmla="*/ 572 w 789"/>
+              <a:gd name="T95" fmla="*/ 327 h 789"/>
+              <a:gd name="T96" fmla="*/ 572 w 789"/>
+              <a:gd name="T97" fmla="*/ 366 h 789"/>
+              <a:gd name="T98" fmla="*/ 576 w 789"/>
+              <a:gd name="T99" fmla="*/ 373 h 789"/>
+              <a:gd name="T100" fmla="*/ 587 w 789"/>
+              <a:gd name="T101" fmla="*/ 404 h 789"/>
+              <a:gd name="T102" fmla="*/ 573 w 789"/>
+              <a:gd name="T103" fmla="*/ 421 h 789"/>
+              <a:gd name="T104" fmla="*/ 541 w 789"/>
+              <a:gd name="T105" fmla="*/ 454 h 789"/>
+              <a:gd name="T106" fmla="*/ 540 w 789"/>
+              <a:gd name="T107" fmla="*/ 473 h 789"/>
+              <a:gd name="T108" fmla="*/ 583 w 789"/>
+              <a:gd name="T109" fmla="*/ 506 h 789"/>
+              <a:gd name="T110" fmla="*/ 647 w 789"/>
+              <a:gd name="T111" fmla="*/ 537 h 789"/>
+              <a:gd name="T112" fmla="*/ 657 w 789"/>
+              <a:gd name="T113" fmla="*/ 582 h 789"/>
+              <a:gd name="T114" fmla="*/ 533 w 789"/>
+              <a:gd name="T115" fmla="*/ 582 h 789"/>
+            </a:gdLst>
+            <a:ahLst/>
+            <a:cxnLst>
+              <a:cxn ang="0">
+                <a:pos x="T0" y="T1"/>
+              </a:cxn>
+              <a:cxn ang="0">
+                <a:pos x="T2" y="T3"/>
+              </a:cxn>
+              <a:cxn ang="0">
+                <a:pos x="T4" y="T5"/>
+              </a:cxn>
+              <a:cxn ang="0">
+                <a:pos x="T6" y="T7"/>
+              </a:cxn>
+              <a:cxn ang="0">
+                <a:pos x="T8" y="T9"/>
+              </a:cxn>
+              <a:cxn ang="0">
+                <a:pos x="T10" y="T11"/>
+              </a:cxn>
+              <a:cxn ang="0">
+                <a:pos x="T12" y="T13"/>
+              </a:cxn>
+              <a:cxn ang="0">
+                <a:pos x="T14" y="T15"/>
+              </a:cxn>
+              <a:cxn ang="0">
+                <a:pos x="T16" y="T17"/>
+              </a:cxn>
+              <a:cxn ang="0">
+                <a:pos x="T18" y="T19"/>
+              </a:cxn>
+              <a:cxn ang="0">
+                <a:pos x="T20" y="T21"/>
+              </a:cxn>
+              <a:cxn ang="0">
+                <a:pos x="T22" y="T23"/>
+              </a:cxn>
+              <a:cxn ang="0">
+                <a:pos x="T24" y="T25"/>
+              </a:cxn>
+              <a:cxn ang="0">
+                <a:pos x="T26" y="T27"/>
+              </a:cxn>
+              <a:cxn ang="0">
+                <a:pos x="T28" y="T29"/>
+              </a:cxn>
+              <a:cxn ang="0">
+                <a:pos x="T30" y="T31"/>
+              </a:cxn>
+              <a:cxn ang="0">
+                <a:pos x="T32" y="T33"/>
+              </a:cxn>
+              <a:cxn ang="0">
+                <a:pos x="T34" y="T35"/>
+              </a:cxn>
+              <a:cxn ang="0">
+                <a:pos x="T36" y="T37"/>
+              </a:cxn>
+              <a:cxn ang="0">
+                <a:pos x="T38" y="T39"/>
+              </a:cxn>
+              <a:cxn ang="0">
+                <a:pos x="T40" y="T41"/>
+              </a:cxn>
+              <a:cxn ang="0">
+                <a:pos x="T42" y="T43"/>
+              </a:cxn>
+              <a:cxn ang="0">
+                <a:pos x="T44" y="T45"/>
+              </a:cxn>
+              <a:cxn ang="0">
+                <a:pos x="T46" y="T47"/>
+              </a:cxn>
+              <a:cxn ang="0">
+                <a:pos x="T48" y="T49"/>
+              </a:cxn>
+              <a:cxn ang="0">
+                <a:pos x="T50" y="T51"/>
+              </a:cxn>
+              <a:cxn ang="0">
+                <a:pos x="T52" y="T53"/>
+              </a:cxn>
+              <a:cxn ang="0">
+                <a:pos x="T54" y="T55"/>
+              </a:cxn>
+              <a:cxn ang="0">
+                <a:pos x="T56" y="T57"/>
+              </a:cxn>
+              <a:cxn ang="0">
+                <a:pos x="T58" y="T59"/>
+              </a:cxn>
+              <a:cxn ang="0">
+                <a:pos x="T60" y="T61"/>
+              </a:cxn>
+              <a:cxn ang="0">
+                <a:pos x="T62" y="T63"/>
+              </a:cxn>
+              <a:cxn ang="0">
+                <a:pos x="T64" y="T65"/>
+              </a:cxn>
+              <a:cxn ang="0">
+                <a:pos x="T66" y="T67"/>
+              </a:cxn>
+              <a:cxn ang="0">
+                <a:pos x="T68" y="T69"/>
+              </a:cxn>
+              <a:cxn ang="0">
+                <a:pos x="T70" y="T71"/>
+              </a:cxn>
+              <a:cxn ang="0">
+                <a:pos x="T72" y="T73"/>
+              </a:cxn>
+              <a:cxn ang="0">
+                <a:pos x="T74" y="T75"/>
+              </a:cxn>
+              <a:cxn ang="0">
+                <a:pos x="T76" y="T77"/>
+              </a:cxn>
+              <a:cxn ang="0">
+                <a:pos x="T78" y="T79"/>
+              </a:cxn>
+              <a:cxn ang="0">
+                <a:pos x="T80" y="T81"/>
+              </a:cxn>
+              <a:cxn ang="0">
+                <a:pos x="T82" y="T83"/>
+              </a:cxn>
+              <a:cxn ang="0">
+                <a:pos x="T84" y="T85"/>
+              </a:cxn>
+              <a:cxn ang="0">
+                <a:pos x="T86" y="T87"/>
+              </a:cxn>
+              <a:cxn ang="0">
+                <a:pos x="T88" y="T89"/>
+              </a:cxn>
+              <a:cxn ang="0">
+                <a:pos x="T90" y="T91"/>
+              </a:cxn>
+              <a:cxn ang="0">
+                <a:pos x="T92" y="T93"/>
+              </a:cxn>
+              <a:cxn ang="0">
+                <a:pos x="T94" y="T95"/>
+              </a:cxn>
+              <a:cxn ang="0">
+                <a:pos x="T96" y="T97"/>
+              </a:cxn>
+              <a:cxn ang="0">
+                <a:pos x="T98" y="T99"/>
+              </a:cxn>
+              <a:cxn ang="0">
+                <a:pos x="T100" y="T101"/>
+              </a:cxn>
+              <a:cxn ang="0">
+                <a:pos x="T102" y="T103"/>
+              </a:cxn>
+              <a:cxn ang="0">
+                <a:pos x="T104" y="T105"/>
+              </a:cxn>
+              <a:cxn ang="0">
+                <a:pos x="T106" y="T107"/>
+              </a:cxn>
+              <a:cxn ang="0">
+                <a:pos x="T108" y="T109"/>
+              </a:cxn>
+              <a:cxn ang="0">
+                <a:pos x="T110" y="T111"/>
+              </a:cxn>
+              <a:cxn ang="0">
+                <a:pos x="T112" y="T113"/>
+              </a:cxn>
+              <a:cxn ang="0">
+                <a:pos x="T114" y="T115"/>
+              </a:cxn>
+            </a:cxnLst>
+            <a:rect l="0" t="0" r="r" b="b"/>
+            <a:pathLst>
+              <a:path w="789" h="789">
+                <a:moveTo>
+                  <a:pt x="394" y="0"/>
+                </a:moveTo>
+                <a:cubicBezTo>
+                  <a:pt x="176" y="0"/>
+                  <a:pt x="0" y="177"/>
+                  <a:pt x="0" y="395"/>
+                </a:cubicBezTo>
+                <a:cubicBezTo>
+                  <a:pt x="0" y="613"/>
+                  <a:pt x="176" y="789"/>
+                  <a:pt x="394" y="789"/>
+                </a:cubicBezTo>
+                <a:cubicBezTo>
+                  <a:pt x="612" y="789"/>
+                  <a:pt x="789" y="613"/>
+                  <a:pt x="789" y="395"/>
+                </a:cubicBezTo>
+                <a:cubicBezTo>
+                  <a:pt x="789" y="177"/>
+                  <a:pt x="612" y="0"/>
+                  <a:pt x="394" y="0"/>
+                </a:cubicBezTo>
+                <a:close/>
+                <a:moveTo>
+                  <a:pt x="151" y="583"/>
+                </a:moveTo>
+                <a:cubicBezTo>
+                  <a:pt x="151" y="583"/>
+                  <a:pt x="150" y="530"/>
+                  <a:pt x="161" y="519"/>
+                </a:cubicBezTo>
+                <a:cubicBezTo>
+                  <a:pt x="173" y="508"/>
+                  <a:pt x="177" y="488"/>
+                  <a:pt x="238" y="479"/>
+                </a:cubicBezTo>
+                <a:cubicBezTo>
+                  <a:pt x="299" y="470"/>
+                  <a:pt x="293" y="438"/>
+                  <a:pt x="295" y="439"/>
+                </a:cubicBezTo>
+                <a:cubicBezTo>
+                  <a:pt x="294" y="426"/>
+                  <a:pt x="293" y="409"/>
+                  <a:pt x="293" y="409"/>
+                </a:cubicBezTo>
+                <a:cubicBezTo>
+                  <a:pt x="293" y="409"/>
+                  <a:pt x="261" y="395"/>
+                  <a:pt x="252" y="368"/>
+                </a:cubicBezTo>
+                <a:cubicBezTo>
+                  <a:pt x="233" y="361"/>
+                  <a:pt x="235" y="355"/>
+                  <a:pt x="233" y="345"/>
+                </a:cubicBezTo>
+                <a:cubicBezTo>
+                  <a:pt x="233" y="345"/>
+                  <a:pt x="227" y="303"/>
+                  <a:pt x="240" y="304"/>
+                </a:cubicBezTo>
+                <a:cubicBezTo>
+                  <a:pt x="240" y="304"/>
+                  <a:pt x="249" y="304"/>
+                  <a:pt x="247" y="295"/>
+                </a:cubicBezTo>
+                <a:cubicBezTo>
+                  <a:pt x="246" y="279"/>
+                  <a:pt x="246" y="248"/>
+                  <a:pt x="247" y="237"/>
+                </a:cubicBezTo>
+                <a:cubicBezTo>
+                  <a:pt x="248" y="226"/>
+                  <a:pt x="256" y="198"/>
+                  <a:pt x="278" y="193"/>
+                </a:cubicBezTo>
+                <a:cubicBezTo>
+                  <a:pt x="300" y="189"/>
+                  <a:pt x="291" y="191"/>
+                  <a:pt x="299" y="190"/>
+                </a:cubicBezTo>
+                <a:cubicBezTo>
+                  <a:pt x="306" y="189"/>
+                  <a:pt x="304" y="185"/>
+                  <a:pt x="318" y="185"/>
+                </a:cubicBezTo>
+                <a:cubicBezTo>
+                  <a:pt x="346" y="179"/>
+                  <a:pt x="346" y="179"/>
+                  <a:pt x="346" y="179"/>
+                </a:cubicBezTo>
+                <a:cubicBezTo>
+                  <a:pt x="360" y="179"/>
+                  <a:pt x="368" y="201"/>
+                  <a:pt x="376" y="203"/>
+                </a:cubicBezTo>
+                <a:cubicBezTo>
+                  <a:pt x="383" y="204"/>
+                  <a:pt x="385" y="199"/>
+                  <a:pt x="400" y="202"/>
+                </a:cubicBezTo>
+                <a:cubicBezTo>
+                  <a:pt x="422" y="206"/>
+                  <a:pt x="419" y="237"/>
+                  <a:pt x="420" y="248"/>
+                </a:cubicBezTo>
+                <a:cubicBezTo>
+                  <a:pt x="421" y="258"/>
+                  <a:pt x="423" y="287"/>
+                  <a:pt x="421" y="297"/>
+                </a:cubicBezTo>
+                <a:cubicBezTo>
+                  <a:pt x="419" y="306"/>
+                  <a:pt x="425" y="305"/>
+                  <a:pt x="425" y="305"/>
+                </a:cubicBezTo>
+                <a:cubicBezTo>
+                  <a:pt x="441" y="305"/>
+                  <a:pt x="436" y="346"/>
+                  <a:pt x="436" y="346"/>
+                </a:cubicBezTo>
+                <a:cubicBezTo>
+                  <a:pt x="434" y="357"/>
+                  <a:pt x="427" y="358"/>
+                  <a:pt x="412" y="368"/>
+                </a:cubicBezTo>
+                <a:cubicBezTo>
+                  <a:pt x="403" y="395"/>
+                  <a:pt x="373" y="414"/>
+                  <a:pt x="373" y="414"/>
+                </a:cubicBezTo>
+                <a:cubicBezTo>
+                  <a:pt x="373" y="414"/>
+                  <a:pt x="373" y="437"/>
+                  <a:pt x="373" y="442"/>
+                </a:cubicBezTo>
+                <a:cubicBezTo>
+                  <a:pt x="373" y="444"/>
+                  <a:pt x="370" y="471"/>
+                  <a:pt x="421" y="479"/>
+                </a:cubicBezTo>
+                <a:cubicBezTo>
+                  <a:pt x="482" y="488"/>
+                  <a:pt x="493" y="508"/>
+                  <a:pt x="504" y="519"/>
+                </a:cubicBezTo>
+                <a:cubicBezTo>
+                  <a:pt x="515" y="530"/>
+                  <a:pt x="517" y="583"/>
+                  <a:pt x="517" y="583"/>
+                </a:cubicBezTo>
+                <a:cubicBezTo>
+                  <a:pt x="151" y="583"/>
+                  <a:pt x="151" y="583"/>
+                  <a:pt x="151" y="583"/>
+                </a:cubicBezTo>
+                <a:close/>
+                <a:moveTo>
+                  <a:pt x="533" y="582"/>
+                </a:moveTo>
+                <a:cubicBezTo>
+                  <a:pt x="533" y="582"/>
+                  <a:pt x="534" y="549"/>
+                  <a:pt x="521" y="513"/>
+                </a:cubicBezTo>
+                <a:cubicBezTo>
+                  <a:pt x="510" y="492"/>
+                  <a:pt x="496" y="487"/>
+                  <a:pt x="478" y="476"/>
+                </a:cubicBezTo>
+                <a:cubicBezTo>
+                  <a:pt x="478" y="466"/>
+                  <a:pt x="480" y="452"/>
+                  <a:pt x="480" y="452"/>
+                </a:cubicBezTo>
+                <a:cubicBezTo>
+                  <a:pt x="480" y="452"/>
+                  <a:pt x="460" y="442"/>
+                  <a:pt x="453" y="421"/>
+                </a:cubicBezTo>
+                <a:cubicBezTo>
+                  <a:pt x="438" y="415"/>
+                  <a:pt x="440" y="411"/>
+                  <a:pt x="438" y="403"/>
+                </a:cubicBezTo>
+                <a:cubicBezTo>
+                  <a:pt x="438" y="403"/>
+                  <a:pt x="436" y="371"/>
+                  <a:pt x="446" y="372"/>
+                </a:cubicBezTo>
+                <a:cubicBezTo>
+                  <a:pt x="446" y="372"/>
+                  <a:pt x="455" y="372"/>
+                  <a:pt x="453" y="365"/>
+                </a:cubicBezTo>
+                <a:cubicBezTo>
+                  <a:pt x="453" y="352"/>
+                  <a:pt x="453" y="329"/>
+                  <a:pt x="454" y="320"/>
+                </a:cubicBezTo>
+                <a:cubicBezTo>
+                  <a:pt x="455" y="312"/>
+                  <a:pt x="457" y="290"/>
+                  <a:pt x="474" y="287"/>
+                </a:cubicBezTo>
+                <a:cubicBezTo>
+                  <a:pt x="491" y="284"/>
+                  <a:pt x="481" y="285"/>
+                  <a:pt x="487" y="284"/>
+                </a:cubicBezTo>
+                <a:cubicBezTo>
+                  <a:pt x="492" y="284"/>
+                  <a:pt x="491" y="280"/>
+                  <a:pt x="501" y="280"/>
+                </a:cubicBezTo>
+                <a:cubicBezTo>
+                  <a:pt x="523" y="276"/>
+                  <a:pt x="523" y="276"/>
+                  <a:pt x="523" y="276"/>
+                </a:cubicBezTo>
+                <a:cubicBezTo>
+                  <a:pt x="533" y="276"/>
+                  <a:pt x="540" y="292"/>
+                  <a:pt x="545" y="292"/>
+                </a:cubicBezTo>
+                <a:cubicBezTo>
+                  <a:pt x="551" y="293"/>
+                  <a:pt x="546" y="290"/>
+                  <a:pt x="557" y="292"/>
+                </a:cubicBezTo>
+                <a:cubicBezTo>
+                  <a:pt x="574" y="295"/>
+                  <a:pt x="571" y="319"/>
+                  <a:pt x="572" y="327"/>
+                </a:cubicBezTo>
+                <a:cubicBezTo>
+                  <a:pt x="573" y="335"/>
+                  <a:pt x="573" y="355"/>
+                  <a:pt x="572" y="366"/>
+                </a:cubicBezTo>
+                <a:cubicBezTo>
+                  <a:pt x="571" y="374"/>
+                  <a:pt x="576" y="373"/>
+                  <a:pt x="576" y="373"/>
+                </a:cubicBezTo>
+                <a:cubicBezTo>
+                  <a:pt x="588" y="373"/>
+                  <a:pt x="587" y="404"/>
+                  <a:pt x="587" y="404"/>
+                </a:cubicBezTo>
+                <a:cubicBezTo>
+                  <a:pt x="585" y="412"/>
+                  <a:pt x="585" y="413"/>
+                  <a:pt x="573" y="421"/>
+                </a:cubicBezTo>
+                <a:cubicBezTo>
+                  <a:pt x="566" y="441"/>
+                  <a:pt x="541" y="454"/>
+                  <a:pt x="541" y="454"/>
+                </a:cubicBezTo>
+                <a:cubicBezTo>
+                  <a:pt x="541" y="454"/>
+                  <a:pt x="540" y="470"/>
+                  <a:pt x="540" y="473"/>
+                </a:cubicBezTo>
+                <a:cubicBezTo>
+                  <a:pt x="541" y="475"/>
+                  <a:pt x="546" y="501"/>
+                  <a:pt x="583" y="506"/>
+                </a:cubicBezTo>
+                <a:cubicBezTo>
+                  <a:pt x="630" y="513"/>
+                  <a:pt x="638" y="528"/>
+                  <a:pt x="647" y="537"/>
+                </a:cubicBezTo>
+                <a:cubicBezTo>
+                  <a:pt x="655" y="545"/>
+                  <a:pt x="657" y="582"/>
+                  <a:pt x="657" y="582"/>
+                </a:cubicBezTo>
+                <a:cubicBezTo>
+                  <a:pt x="533" y="582"/>
+                  <a:pt x="533" y="582"/>
+                  <a:pt x="533" y="582"/>
+                </a:cubicBezTo>
+                <a:close/>
+              </a:path>
+            </a:pathLst>
+          </a:custGeom>
+          <a:solidFill>
+            <a:schemeClr val="accent3"/>
+          </a:solidFill>
+          <a:ln>
+            <a:noFill/>
+          </a:ln>
+        </p:spPr>
+        <p:txBody>
+          <a:bodyPr vert="horz" wrap="square" lIns="91440" tIns="45720" rIns="91440" bIns="45720" numCol="1" anchor="t" anchorCtr="0" compatLnSpc="1"/>
+          <a:lstStyle/>
+          <a:p>
+            <a:endParaRPr lang="zh-CN" altLang="en-US"/>
+          </a:p>
+        </p:txBody>
+      </p:sp>
+      <p:sp>
+        <p:nvSpPr>
+          <p:cNvPr id="23" name="Freeform 10"/>
+          <p:cNvSpPr>
+            <a:spLocks noChangeAspect="1" noEditPoints="1"/>
+          </p:cNvSpPr>
+          <p:nvPr/>
+        </p:nvSpPr>
+        <p:spPr bwMode="auto">
+          <a:xfrm>
+            <a:off x="1371693" y="4220139"/>
+            <a:ext cx="430416" cy="432000"/>
+          </a:xfrm>
+          <a:custGeom>
+            <a:avLst/>
+            <a:gdLst>
+              <a:gd name="T0" fmla="*/ 592 w 800"/>
+              <a:gd name="T1" fmla="*/ 436 h 800"/>
+              <a:gd name="T2" fmla="*/ 545 w 800"/>
+              <a:gd name="T3" fmla="*/ 436 h 800"/>
+              <a:gd name="T4" fmla="*/ 545 w 800"/>
+              <a:gd name="T5" fmla="*/ 541 h 800"/>
+              <a:gd name="T6" fmla="*/ 531 w 800"/>
+              <a:gd name="T7" fmla="*/ 554 h 800"/>
+              <a:gd name="T8" fmla="*/ 438 w 800"/>
+              <a:gd name="T9" fmla="*/ 554 h 800"/>
+              <a:gd name="T10" fmla="*/ 426 w 800"/>
+              <a:gd name="T11" fmla="*/ 543 h 800"/>
+              <a:gd name="T12" fmla="*/ 426 w 800"/>
+              <a:gd name="T13" fmla="*/ 497 h 800"/>
+              <a:gd name="T14" fmla="*/ 415 w 800"/>
+              <a:gd name="T15" fmla="*/ 483 h 800"/>
+              <a:gd name="T16" fmla="*/ 390 w 800"/>
+              <a:gd name="T17" fmla="*/ 483 h 800"/>
+              <a:gd name="T18" fmla="*/ 379 w 800"/>
+              <a:gd name="T19" fmla="*/ 495 h 800"/>
+              <a:gd name="T20" fmla="*/ 379 w 800"/>
+              <a:gd name="T21" fmla="*/ 541 h 800"/>
+              <a:gd name="T22" fmla="*/ 362 w 800"/>
+              <a:gd name="T23" fmla="*/ 554 h 800"/>
+              <a:gd name="T24" fmla="*/ 274 w 800"/>
+              <a:gd name="T25" fmla="*/ 554 h 800"/>
+              <a:gd name="T26" fmla="*/ 261 w 800"/>
+              <a:gd name="T27" fmla="*/ 541 h 800"/>
+              <a:gd name="T28" fmla="*/ 261 w 800"/>
+              <a:gd name="T29" fmla="*/ 436 h 800"/>
+              <a:gd name="T30" fmla="*/ 213 w 800"/>
+              <a:gd name="T31" fmla="*/ 436 h 800"/>
+              <a:gd name="T32" fmla="*/ 213 w 800"/>
+              <a:gd name="T33" fmla="*/ 424 h 800"/>
+              <a:gd name="T34" fmla="*/ 385 w 800"/>
+              <a:gd name="T35" fmla="*/ 252 h 800"/>
+              <a:gd name="T36" fmla="*/ 420 w 800"/>
+              <a:gd name="T37" fmla="*/ 252 h 800"/>
+              <a:gd name="T38" fmla="*/ 474 w 800"/>
+              <a:gd name="T39" fmla="*/ 306 h 800"/>
+              <a:gd name="T40" fmla="*/ 474 w 800"/>
+              <a:gd name="T41" fmla="*/ 260 h 800"/>
+              <a:gd name="T42" fmla="*/ 484 w 800"/>
+              <a:gd name="T43" fmla="*/ 247 h 800"/>
+              <a:gd name="T44" fmla="*/ 509 w 800"/>
+              <a:gd name="T45" fmla="*/ 247 h 800"/>
+              <a:gd name="T46" fmla="*/ 521 w 800"/>
+              <a:gd name="T47" fmla="*/ 257 h 800"/>
+              <a:gd name="T48" fmla="*/ 521 w 800"/>
+              <a:gd name="T49" fmla="*/ 353 h 800"/>
+              <a:gd name="T50" fmla="*/ 592 w 800"/>
+              <a:gd name="T51" fmla="*/ 424 h 800"/>
+              <a:gd name="T52" fmla="*/ 592 w 800"/>
+              <a:gd name="T53" fmla="*/ 436 h 800"/>
+              <a:gd name="T54" fmla="*/ 400 w 800"/>
+              <a:gd name="T55" fmla="*/ 0 h 800"/>
+              <a:gd name="T56" fmla="*/ 0 w 800"/>
+              <a:gd name="T57" fmla="*/ 400 h 800"/>
+              <a:gd name="T58" fmla="*/ 400 w 800"/>
+              <a:gd name="T59" fmla="*/ 800 h 800"/>
+              <a:gd name="T60" fmla="*/ 800 w 800"/>
+              <a:gd name="T61" fmla="*/ 400 h 800"/>
+              <a:gd name="T62" fmla="*/ 400 w 800"/>
+              <a:gd name="T63" fmla="*/ 0 h 800"/>
+            </a:gdLst>
+            <a:ahLst/>
+            <a:cxnLst>
+              <a:cxn ang="0">
+                <a:pos x="T0" y="T1"/>
+              </a:cxn>
+              <a:cxn ang="0">
+                <a:pos x="T2" y="T3"/>
+              </a:cxn>
+              <a:cxn ang="0">
+                <a:pos x="T4" y="T5"/>
+              </a:cxn>
+              <a:cxn ang="0">
+                <a:pos x="T6" y="T7"/>
+              </a:cxn>
+              <a:cxn ang="0">
+                <a:pos x="T8" y="T9"/>
+              </a:cxn>
+              <a:cxn ang="0">
+                <a:pos x="T10" y="T11"/>
+              </a:cxn>
+              <a:cxn ang="0">
+                <a:pos x="T12" y="T13"/>
+              </a:cxn>
+              <a:cxn ang="0">
+                <a:pos x="T14" y="T15"/>
+              </a:cxn>
+              <a:cxn ang="0">
+                <a:pos x="T16" y="T17"/>
+              </a:cxn>
+              <a:cxn ang="0">
+                <a:pos x="T18" y="T19"/>
+              </a:cxn>
+              <a:cxn ang="0">
+                <a:pos x="T20" y="T21"/>
+              </a:cxn>
+              <a:cxn ang="0">
+                <a:pos x="T22" y="T23"/>
+              </a:cxn>
+              <a:cxn ang="0">
+                <a:pos x="T24" y="T25"/>
+              </a:cxn>
+              <a:cxn ang="0">
+                <a:pos x="T26" y="T27"/>
+              </a:cxn>
+              <a:cxn ang="0">
+                <a:pos x="T28" y="T29"/>
+              </a:cxn>
+              <a:cxn ang="0">
+                <a:pos x="T30" y="T31"/>
+              </a:cxn>
+              <a:cxn ang="0">
+                <a:pos x="T32" y="T33"/>
+              </a:cxn>
+              <a:cxn ang="0">
+                <a:pos x="T34" y="T35"/>
+              </a:cxn>
+              <a:cxn ang="0">
+                <a:pos x="T36" y="T37"/>
+              </a:cxn>
+              <a:cxn ang="0">
+                <a:pos x="T38" y="T39"/>
+              </a:cxn>
+              <a:cxn ang="0">
+                <a:pos x="T40" y="T41"/>
+              </a:cxn>
+              <a:cxn ang="0">
+                <a:pos x="T42" y="T43"/>
+              </a:cxn>
+              <a:cxn ang="0">
+                <a:pos x="T44" y="T45"/>
+              </a:cxn>
+              <a:cxn ang="0">
+                <a:pos x="T46" y="T47"/>
+              </a:cxn>
+              <a:cxn ang="0">
+                <a:pos x="T48" y="T49"/>
+              </a:cxn>
+              <a:cxn ang="0">
+                <a:pos x="T50" y="T51"/>
+              </a:cxn>
+              <a:cxn ang="0">
+                <a:pos x="T52" y="T53"/>
+              </a:cxn>
+              <a:cxn ang="0">
+                <a:pos x="T54" y="T55"/>
+              </a:cxn>
+              <a:cxn ang="0">
+                <a:pos x="T56" y="T57"/>
+              </a:cxn>
+              <a:cxn ang="0">
+                <a:pos x="T58" y="T59"/>
+              </a:cxn>
+              <a:cxn ang="0">
+                <a:pos x="T60" y="T61"/>
+              </a:cxn>
+              <a:cxn ang="0">
+                <a:pos x="T62" y="T63"/>
+              </a:cxn>
+            </a:cxnLst>
+            <a:rect l="0" t="0" r="r" b="b"/>
+            <a:pathLst>
+              <a:path w="800" h="800">
+                <a:moveTo>
+                  <a:pt x="592" y="436"/>
+                </a:moveTo>
+                <a:cubicBezTo>
+                  <a:pt x="545" y="436"/>
+                  <a:pt x="545" y="436"/>
+                  <a:pt x="545" y="436"/>
+                </a:cubicBezTo>
+                <a:cubicBezTo>
+                  <a:pt x="545" y="541"/>
+                  <a:pt x="545" y="541"/>
+                  <a:pt x="545" y="541"/>
+                </a:cubicBezTo>
+                <a:cubicBezTo>
+                  <a:pt x="545" y="541"/>
+                  <a:pt x="543" y="554"/>
+                  <a:pt x="531" y="554"/>
+                </a:cubicBezTo>
+                <a:cubicBezTo>
+                  <a:pt x="438" y="554"/>
+                  <a:pt x="438" y="554"/>
+                  <a:pt x="438" y="554"/>
+                </a:cubicBezTo>
+                <a:cubicBezTo>
+                  <a:pt x="438" y="554"/>
+                  <a:pt x="428" y="553"/>
+                  <a:pt x="426" y="543"/>
+                </a:cubicBezTo>
+                <a:cubicBezTo>
+                  <a:pt x="426" y="497"/>
+                  <a:pt x="426" y="497"/>
+                  <a:pt x="426" y="497"/>
+                </a:cubicBezTo>
+                <a:cubicBezTo>
+                  <a:pt x="426" y="497"/>
+                  <a:pt x="427" y="485"/>
+                  <a:pt x="415" y="483"/>
+                </a:cubicBezTo>
+                <a:cubicBezTo>
+                  <a:pt x="390" y="483"/>
+                  <a:pt x="390" y="483"/>
+                  <a:pt x="390" y="483"/>
+                </a:cubicBezTo>
+                <a:cubicBezTo>
+                  <a:pt x="390" y="483"/>
+                  <a:pt x="381" y="484"/>
+                  <a:pt x="379" y="495"/>
+                </a:cubicBezTo>
+                <a:cubicBezTo>
+                  <a:pt x="379" y="541"/>
+                  <a:pt x="379" y="541"/>
+                  <a:pt x="379" y="541"/>
+                </a:cubicBezTo>
+                <a:cubicBezTo>
+                  <a:pt x="379" y="541"/>
+                  <a:pt x="379" y="554"/>
+                  <a:pt x="362" y="554"/>
+                </a:cubicBezTo>
+                <a:cubicBezTo>
+                  <a:pt x="274" y="554"/>
+                  <a:pt x="274" y="554"/>
+                  <a:pt x="274" y="554"/>
+                </a:cubicBezTo>
+                <a:cubicBezTo>
+                  <a:pt x="274" y="554"/>
+                  <a:pt x="261" y="553"/>
+                  <a:pt x="261" y="541"/>
+                </a:cubicBezTo>
+                <a:cubicBezTo>
+                  <a:pt x="261" y="436"/>
+                  <a:pt x="261" y="436"/>
+                  <a:pt x="261" y="436"/>
+                </a:cubicBezTo>
+                <a:cubicBezTo>
+                  <a:pt x="213" y="436"/>
+                  <a:pt x="213" y="436"/>
+                  <a:pt x="213" y="436"/>
+                </a:cubicBezTo>
+                <a:cubicBezTo>
+                  <a:pt x="213" y="436"/>
+                  <a:pt x="207" y="431"/>
+                  <a:pt x="213" y="424"/>
+                </a:cubicBezTo>
+                <a:cubicBezTo>
+                  <a:pt x="385" y="252"/>
+                  <a:pt x="385" y="252"/>
+                  <a:pt x="385" y="252"/>
+                </a:cubicBezTo>
+                <a:cubicBezTo>
+                  <a:pt x="385" y="252"/>
+                  <a:pt x="400" y="239"/>
+                  <a:pt x="420" y="252"/>
+                </a:cubicBezTo>
+                <a:cubicBezTo>
+                  <a:pt x="474" y="306"/>
+                  <a:pt x="474" y="306"/>
+                  <a:pt x="474" y="306"/>
+                </a:cubicBezTo>
+                <a:cubicBezTo>
+                  <a:pt x="474" y="260"/>
+                  <a:pt x="474" y="260"/>
+                  <a:pt x="474" y="260"/>
+                </a:cubicBezTo>
+                <a:cubicBezTo>
+                  <a:pt x="474" y="260"/>
+                  <a:pt x="474" y="249"/>
+                  <a:pt x="484" y="247"/>
+                </a:cubicBezTo>
+                <a:cubicBezTo>
+                  <a:pt x="509" y="247"/>
+                  <a:pt x="509" y="247"/>
+                  <a:pt x="509" y="247"/>
+                </a:cubicBezTo>
+                <a:cubicBezTo>
+                  <a:pt x="509" y="247"/>
+                  <a:pt x="517" y="246"/>
+                  <a:pt x="521" y="257"/>
+                </a:cubicBezTo>
+                <a:cubicBezTo>
+                  <a:pt x="521" y="353"/>
+                  <a:pt x="521" y="353"/>
+                  <a:pt x="521" y="353"/>
+                </a:cubicBezTo>
+                <a:cubicBezTo>
+                  <a:pt x="592" y="424"/>
+                  <a:pt x="592" y="424"/>
+                  <a:pt x="592" y="424"/>
+                </a:cubicBezTo>
+                <a:cubicBezTo>
+                  <a:pt x="592" y="424"/>
+                  <a:pt x="598" y="431"/>
+                  <a:pt x="592" y="436"/>
+                </a:cubicBezTo>
+                <a:moveTo>
+                  <a:pt x="400" y="0"/>
+                </a:moveTo>
+                <a:cubicBezTo>
+                  <a:pt x="179" y="0"/>
+                  <a:pt x="0" y="179"/>
+                  <a:pt x="0" y="400"/>
+                </a:cubicBezTo>
+                <a:cubicBezTo>
+                  <a:pt x="0" y="621"/>
+                  <a:pt x="179" y="800"/>
+                  <a:pt x="400" y="800"/>
+                </a:cubicBezTo>
+                <a:cubicBezTo>
+                  <a:pt x="621" y="800"/>
+                  <a:pt x="800" y="621"/>
+                  <a:pt x="800" y="400"/>
+                </a:cubicBezTo>
+                <a:cubicBezTo>
+                  <a:pt x="800" y="179"/>
+                  <a:pt x="621" y="0"/>
+                  <a:pt x="400" y="0"/>
+                </a:cubicBezTo>
+              </a:path>
+            </a:pathLst>
+          </a:custGeom>
+          <a:solidFill>
+            <a:schemeClr val="accent2"/>
+          </a:solidFill>
+          <a:ln>
+            <a:noFill/>
+          </a:ln>
+        </p:spPr>
+        <p:txBody>
+          <a:bodyPr vert="horz" wrap="square" lIns="91440" tIns="45720" rIns="91440" bIns="45720" numCol="1" anchor="t" anchorCtr="0" compatLnSpc="1"/>
+          <a:lstStyle/>
+          <a:p>
+            <a:endParaRPr lang="zh-CN" altLang="en-US"/>
+          </a:p>
+        </p:txBody>
+      </p:sp>
+      <p:pic>
+        <p:nvPicPr>
+          <p:cNvPr id="24" name="44B7C0F4-79DB-4F8B-9303-0E098D69D8BE-1" descr="qt_temp"/>
+          <p:cNvPicPr>
+            <a:picLocks noChangeAspect="1"/>
+          </p:cNvPicPr>
+          <p:nvPr/>
+        </p:nvPicPr>
+        <p:blipFill>
+          <a:blip r:embed="rId3"/>
+          <a:stretch>
+            <a:fillRect/>
+          </a:stretch>
+        </p:blipFill>
+        <p:spPr>
+          <a:xfrm>
+            <a:off x="10254603" y="719256"/>
+            <a:ext cx="1483995" cy="1483995"/>
+          </a:xfrm>
+          <a:prstGeom prst="rect">
+            <a:avLst/>
+          </a:prstGeom>
+        </p:spPr>
+      </p:pic>
+      <p:sp>
+        <p:nvSpPr>
+          <p:cNvPr id="25" name="Freeform 10"/>
+          <p:cNvSpPr>
+            <a:spLocks noChangeAspect="1" noEditPoints="1"/>
+          </p:cNvSpPr>
+          <p:nvPr/>
+        </p:nvSpPr>
+        <p:spPr bwMode="auto">
+          <a:xfrm>
+            <a:off x="1382163" y="5007715"/>
+            <a:ext cx="430416" cy="432000"/>
+          </a:xfrm>
+          <a:custGeom>
+            <a:avLst/>
+            <a:gdLst>
+              <a:gd name="T0" fmla="*/ 592 w 800"/>
+              <a:gd name="T1" fmla="*/ 436 h 800"/>
+              <a:gd name="T2" fmla="*/ 545 w 800"/>
+              <a:gd name="T3" fmla="*/ 436 h 800"/>
+              <a:gd name="T4" fmla="*/ 545 w 800"/>
+              <a:gd name="T5" fmla="*/ 541 h 800"/>
+              <a:gd name="T6" fmla="*/ 531 w 800"/>
+              <a:gd name="T7" fmla="*/ 554 h 800"/>
+              <a:gd name="T8" fmla="*/ 438 w 800"/>
+              <a:gd name="T9" fmla="*/ 554 h 800"/>
+              <a:gd name="T10" fmla="*/ 426 w 800"/>
+              <a:gd name="T11" fmla="*/ 543 h 800"/>
+              <a:gd name="T12" fmla="*/ 426 w 800"/>
+              <a:gd name="T13" fmla="*/ 497 h 800"/>
+              <a:gd name="T14" fmla="*/ 415 w 800"/>
+              <a:gd name="T15" fmla="*/ 483 h 800"/>
+              <a:gd name="T16" fmla="*/ 390 w 800"/>
+              <a:gd name="T17" fmla="*/ 483 h 800"/>
+              <a:gd name="T18" fmla="*/ 379 w 800"/>
+              <a:gd name="T19" fmla="*/ 495 h 800"/>
+              <a:gd name="T20" fmla="*/ 379 w 800"/>
+              <a:gd name="T21" fmla="*/ 541 h 800"/>
+              <a:gd name="T22" fmla="*/ 362 w 800"/>
+              <a:gd name="T23" fmla="*/ 554 h 800"/>
+              <a:gd name="T24" fmla="*/ 274 w 800"/>
+              <a:gd name="T25" fmla="*/ 554 h 800"/>
+              <a:gd name="T26" fmla="*/ 261 w 800"/>
+              <a:gd name="T27" fmla="*/ 541 h 800"/>
+              <a:gd name="T28" fmla="*/ 261 w 800"/>
+              <a:gd name="T29" fmla="*/ 436 h 800"/>
+              <a:gd name="T30" fmla="*/ 213 w 800"/>
+              <a:gd name="T31" fmla="*/ 436 h 800"/>
+              <a:gd name="T32" fmla="*/ 213 w 800"/>
+              <a:gd name="T33" fmla="*/ 424 h 800"/>
+              <a:gd name="T34" fmla="*/ 385 w 800"/>
+              <a:gd name="T35" fmla="*/ 252 h 800"/>
+              <a:gd name="T36" fmla="*/ 420 w 800"/>
+              <a:gd name="T37" fmla="*/ 252 h 800"/>
+              <a:gd name="T38" fmla="*/ 474 w 800"/>
+              <a:gd name="T39" fmla="*/ 306 h 800"/>
+              <a:gd name="T40" fmla="*/ 474 w 800"/>
+              <a:gd name="T41" fmla="*/ 260 h 800"/>
+              <a:gd name="T42" fmla="*/ 484 w 800"/>
+              <a:gd name="T43" fmla="*/ 247 h 800"/>
+              <a:gd name="T44" fmla="*/ 509 w 800"/>
+              <a:gd name="T45" fmla="*/ 247 h 800"/>
+              <a:gd name="T46" fmla="*/ 521 w 800"/>
+              <a:gd name="T47" fmla="*/ 257 h 800"/>
+              <a:gd name="T48" fmla="*/ 521 w 800"/>
+              <a:gd name="T49" fmla="*/ 353 h 800"/>
+              <a:gd name="T50" fmla="*/ 592 w 800"/>
+              <a:gd name="T51" fmla="*/ 424 h 800"/>
+              <a:gd name="T52" fmla="*/ 592 w 800"/>
+              <a:gd name="T53" fmla="*/ 436 h 800"/>
+              <a:gd name="T54" fmla="*/ 400 w 800"/>
+              <a:gd name="T55" fmla="*/ 0 h 800"/>
+              <a:gd name="T56" fmla="*/ 0 w 800"/>
+              <a:gd name="T57" fmla="*/ 400 h 800"/>
+              <a:gd name="T58" fmla="*/ 400 w 800"/>
+              <a:gd name="T59" fmla="*/ 800 h 800"/>
+              <a:gd name="T60" fmla="*/ 800 w 800"/>
+              <a:gd name="T61" fmla="*/ 400 h 800"/>
+              <a:gd name="T62" fmla="*/ 400 w 800"/>
+              <a:gd name="T63" fmla="*/ 0 h 800"/>
+            </a:gdLst>
+            <a:ahLst/>
+            <a:cxnLst>
+              <a:cxn ang="0">
+                <a:pos x="T0" y="T1"/>
+              </a:cxn>
+              <a:cxn ang="0">
+                <a:pos x="T2" y="T3"/>
+              </a:cxn>
+              <a:cxn ang="0">
+                <a:pos x="T4" y="T5"/>
+              </a:cxn>
+              <a:cxn ang="0">
+                <a:pos x="T6" y="T7"/>
+              </a:cxn>
+              <a:cxn ang="0">
+                <a:pos x="T8" y="T9"/>
+              </a:cxn>
+              <a:cxn ang="0">
+                <a:pos x="T10" y="T11"/>
+              </a:cxn>
+              <a:cxn ang="0">
+                <a:pos x="T12" y="T13"/>
+              </a:cxn>
+              <a:cxn ang="0">
+                <a:pos x="T14" y="T15"/>
+              </a:cxn>
+              <a:cxn ang="0">
+                <a:pos x="T16" y="T17"/>
+              </a:cxn>
+              <a:cxn ang="0">
+                <a:pos x="T18" y="T19"/>
+              </a:cxn>
+              <a:cxn ang="0">
+                <a:pos x="T20" y="T21"/>
+              </a:cxn>
+              <a:cxn ang="0">
+                <a:pos x="T22" y="T23"/>
+              </a:cxn>
+              <a:cxn ang="0">
+                <a:pos x="T24" y="T25"/>
+              </a:cxn>
+              <a:cxn ang="0">
+                <a:pos x="T26" y="T27"/>
+              </a:cxn>
+              <a:cxn ang="0">
+                <a:pos x="T28" y="T29"/>
+              </a:cxn>
+              <a:cxn ang="0">
+                <a:pos x="T30" y="T31"/>
+              </a:cxn>
+              <a:cxn ang="0">
+                <a:pos x="T32" y="T33"/>
+              </a:cxn>
+              <a:cxn ang="0">
+                <a:pos x="T34" y="T35"/>
+              </a:cxn>
+              <a:cxn ang="0">
+                <a:pos x="T36" y="T37"/>
+              </a:cxn>
+              <a:cxn ang="0">
+                <a:pos x="T38" y="T39"/>
+              </a:cxn>
+              <a:cxn ang="0">
+                <a:pos x="T40" y="T41"/>
+              </a:cxn>
+              <a:cxn ang="0">
+                <a:pos x="T42" y="T43"/>
+              </a:cxn>
+              <a:cxn ang="0">
+                <a:pos x="T44" y="T45"/>
+              </a:cxn>
+              <a:cxn ang="0">
+                <a:pos x="T46" y="T47"/>
+              </a:cxn>
+              <a:cxn ang="0">
+                <a:pos x="T48" y="T49"/>
+              </a:cxn>
+              <a:cxn ang="0">
+                <a:pos x="T50" y="T51"/>
+              </a:cxn>
+              <a:cxn ang="0">
+                <a:pos x="T52" y="T53"/>
+              </a:cxn>
+              <a:cxn ang="0">
+                <a:pos x="T54" y="T55"/>
+              </a:cxn>
+              <a:cxn ang="0">
+                <a:pos x="T56" y="T57"/>
+              </a:cxn>
+              <a:cxn ang="0">
+                <a:pos x="T58" y="T59"/>
+              </a:cxn>
+              <a:cxn ang="0">
+                <a:pos x="T60" y="T61"/>
+              </a:cxn>
+              <a:cxn ang="0">
+                <a:pos x="T62" y="T63"/>
+              </a:cxn>
+            </a:cxnLst>
+            <a:rect l="0" t="0" r="r" b="b"/>
+            <a:pathLst>
+              <a:path w="800" h="800">
+                <a:moveTo>
+                  <a:pt x="592" y="436"/>
+                </a:moveTo>
+                <a:cubicBezTo>
+                  <a:pt x="545" y="436"/>
+                  <a:pt x="545" y="436"/>
+                  <a:pt x="545" y="436"/>
+                </a:cubicBezTo>
+                <a:cubicBezTo>
+                  <a:pt x="545" y="541"/>
+                  <a:pt x="545" y="541"/>
+                  <a:pt x="545" y="541"/>
+                </a:cubicBezTo>
+                <a:cubicBezTo>
+                  <a:pt x="545" y="541"/>
+                  <a:pt x="543" y="554"/>
+                  <a:pt x="531" y="554"/>
+                </a:cubicBezTo>
+                <a:cubicBezTo>
+                  <a:pt x="438" y="554"/>
+                  <a:pt x="438" y="554"/>
+                  <a:pt x="438" y="554"/>
+                </a:cubicBezTo>
+                <a:cubicBezTo>
+                  <a:pt x="438" y="554"/>
+                  <a:pt x="428" y="553"/>
+                  <a:pt x="426" y="543"/>
+                </a:cubicBezTo>
+                <a:cubicBezTo>
+                  <a:pt x="426" y="497"/>
+                  <a:pt x="426" y="497"/>
+                  <a:pt x="426" y="497"/>
+                </a:cubicBezTo>
+                <a:cubicBezTo>
+                  <a:pt x="426" y="497"/>
+                  <a:pt x="427" y="485"/>
+                  <a:pt x="415" y="483"/>
+                </a:cubicBezTo>
+                <a:cubicBezTo>
+                  <a:pt x="390" y="483"/>
+                  <a:pt x="390" y="483"/>
+                  <a:pt x="390" y="483"/>
+                </a:cubicBezTo>
+                <a:cubicBezTo>
+                  <a:pt x="390" y="483"/>
+                  <a:pt x="381" y="484"/>
+                  <a:pt x="379" y="495"/>
+                </a:cubicBezTo>
+                <a:cubicBezTo>
+                  <a:pt x="379" y="541"/>
+                  <a:pt x="379" y="541"/>
+                  <a:pt x="379" y="541"/>
+                </a:cubicBezTo>
+                <a:cubicBezTo>
+                  <a:pt x="379" y="541"/>
+                  <a:pt x="379" y="554"/>
+                  <a:pt x="362" y="554"/>
+                </a:cubicBezTo>
+                <a:cubicBezTo>
+                  <a:pt x="274" y="554"/>
+                  <a:pt x="274" y="554"/>
+                  <a:pt x="274" y="554"/>
+                </a:cubicBezTo>
+                <a:cubicBezTo>
+                  <a:pt x="274" y="554"/>
+                  <a:pt x="261" y="553"/>
+                  <a:pt x="261" y="541"/>
+                </a:cubicBezTo>
+                <a:cubicBezTo>
+                  <a:pt x="261" y="436"/>
+                  <a:pt x="261" y="436"/>
+                  <a:pt x="261" y="436"/>
+                </a:cubicBezTo>
+                <a:cubicBezTo>
+                  <a:pt x="213" y="436"/>
+                  <a:pt x="213" y="436"/>
+                  <a:pt x="213" y="436"/>
+                </a:cubicBezTo>
+                <a:cubicBezTo>
+                  <a:pt x="213" y="436"/>
+                  <a:pt x="207" y="431"/>
+                  <a:pt x="213" y="424"/>
+                </a:cubicBezTo>
+                <a:cubicBezTo>
+                  <a:pt x="385" y="252"/>
+                  <a:pt x="385" y="252"/>
+                  <a:pt x="385" y="252"/>
+                </a:cubicBezTo>
+                <a:cubicBezTo>
+                  <a:pt x="385" y="252"/>
+                  <a:pt x="400" y="239"/>
+                  <a:pt x="420" y="252"/>
+                </a:cubicBezTo>
+                <a:cubicBezTo>
+                  <a:pt x="474" y="306"/>
+                  <a:pt x="474" y="306"/>
+                  <a:pt x="474" y="306"/>
+                </a:cubicBezTo>
+                <a:cubicBezTo>
+                  <a:pt x="474" y="260"/>
+                  <a:pt x="474" y="260"/>
+                  <a:pt x="474" y="260"/>
+                </a:cubicBezTo>
+                <a:cubicBezTo>
+                  <a:pt x="474" y="260"/>
+                  <a:pt x="474" y="249"/>
+                  <a:pt x="484" y="247"/>
+                </a:cubicBezTo>
+                <a:cubicBezTo>
+                  <a:pt x="509" y="247"/>
+                  <a:pt x="509" y="247"/>
+                  <a:pt x="509" y="247"/>
+                </a:cubicBezTo>
+                <a:cubicBezTo>
+                  <a:pt x="509" y="247"/>
+                  <a:pt x="517" y="246"/>
+                  <a:pt x="521" y="257"/>
+                </a:cubicBezTo>
+                <a:cubicBezTo>
+                  <a:pt x="521" y="353"/>
+                  <a:pt x="521" y="353"/>
+                  <a:pt x="521" y="353"/>
+                </a:cubicBezTo>
+                <a:cubicBezTo>
+                  <a:pt x="592" y="424"/>
+                  <a:pt x="592" y="424"/>
+                  <a:pt x="592" y="424"/>
+                </a:cubicBezTo>
+                <a:cubicBezTo>
+                  <a:pt x="592" y="424"/>
+                  <a:pt x="598" y="431"/>
+                  <a:pt x="592" y="436"/>
+                </a:cubicBezTo>
+                <a:moveTo>
+                  <a:pt x="400" y="0"/>
+                </a:moveTo>
+                <a:cubicBezTo>
+                  <a:pt x="179" y="0"/>
+                  <a:pt x="0" y="179"/>
+                  <a:pt x="0" y="400"/>
+                </a:cubicBezTo>
+                <a:cubicBezTo>
+                  <a:pt x="0" y="621"/>
+                  <a:pt x="179" y="800"/>
+                  <a:pt x="400" y="800"/>
+                </a:cubicBezTo>
+                <a:cubicBezTo>
+                  <a:pt x="621" y="800"/>
+                  <a:pt x="800" y="621"/>
+                  <a:pt x="800" y="400"/>
+                </a:cubicBezTo>
+                <a:cubicBezTo>
+                  <a:pt x="800" y="179"/>
+                  <a:pt x="621" y="0"/>
+                  <a:pt x="400" y="0"/>
+                </a:cubicBezTo>
+              </a:path>
+            </a:pathLst>
+          </a:custGeom>
+          <a:solidFill>
+            <a:schemeClr val="accent2"/>
+          </a:solidFill>
+          <a:ln>
+            <a:noFill/>
+          </a:ln>
+        </p:spPr>
+        <p:txBody>
+          <a:bodyPr vert="horz" wrap="square" lIns="91440" tIns="45720" rIns="91440" bIns="45720" numCol="1" anchor="t" anchorCtr="0" compatLnSpc="1"/>
+          <a:lstStyle/>
+          <a:p>
+            <a:endParaRPr lang="zh-CN" altLang="en-US"/>
+          </a:p>
+        </p:txBody>
+      </p:sp>
+      <p:pic>
+        <p:nvPicPr>
+          <p:cNvPr id="26" name="Picture 14"/>
+          <p:cNvPicPr>
+            <a:picLocks noChangeAspect="1"/>
+          </p:cNvPicPr>
+          <p:nvPr/>
+        </p:nvPicPr>
+        <p:blipFill>
+          <a:blip r:embed="rId4"/>
+          <a:stretch>
+            <a:fillRect/>
+          </a:stretch>
+        </p:blipFill>
+        <p:spPr>
+          <a:xfrm>
+            <a:off x="10354112" y="4296696"/>
+            <a:ext cx="1384486" cy="1384486"/>
+          </a:xfrm>
+          <a:prstGeom prst="rect">
+            <a:avLst/>
+          </a:prstGeom>
+        </p:spPr>
+      </p:pic>
+    </p:spTree>
   </p:cSld>
   <p:clrMapOvr>
     <a:masterClrMapping/>
@@ -3493,7 +7256,7 @@
     </a:clrScheme>
     <a:fontScheme name="Frame">
       <a:majorFont>
-        <a:latin typeface="Corbel" panose="020B0503020204020204"/>
+        <a:latin typeface="Corbel"/>
         <a:ea typeface=""/>
         <a:cs typeface=""/>
         <a:font script="Jpan" typeface="ＭＳ ゴシック"/>
@@ -3528,7 +7291,7 @@
         <a:font script="Geor" typeface="Sylfaen"/>
       </a:majorFont>
       <a:minorFont>
-        <a:latin typeface="Corbel" panose="020B0503020204020204"/>
+        <a:latin typeface="Corbel"/>
         <a:ea typeface=""/>
         <a:cs typeface=""/>
         <a:font script="Jpan" typeface="ＭＳ ゴシック"/>
@@ -3671,11 +7434,268 @@
       </a:bgFillStyleLst>
     </a:fmtScheme>
   </a:themeElements>
-  <a:objectDefaults/>
-  <a:extraClrSchemeLst/>
   <a:extLst>
     <a:ext uri="{05A4C25C-085E-4340-85A3-A5531E510DB2}">
-      <thm15:themeFamily xmlns:thm15="http://schemas.microsoft.com/office/thememl/2012/main" name="Frame" id="{F226E7A2-7162-461C-9490-D27D9DC04E43}" vid="{629A0216-3BBD-45C0-B63F-2683BEA18F60}"/>
+      <thm15:themeFamily xmlns:thm15="http://schemas.microsoft.com/office/thememl/2012/main" name="Office Theme" id="{62F939B6-93AF-4DB8-9C6B-D6C7DFDC589F}" vid="{4A3C46E8-61CC-4603-A589-7422A47A8E4A}"/>
+    </a:ext>
+  </a:extLst>
+</a:theme>
+</file>
+
+<file path=ppt/theme/theme2.xml><?xml version="1.0" encoding="utf-8"?>
+<a:theme xmlns:a="http://schemas.openxmlformats.org/drawingml/2006/main" name="Office 主题">
+  <a:themeElements>
+    <a:clrScheme name="Office">
+      <a:dk1>
+        <a:sysClr val="windowText" lastClr="000000"/>
+      </a:dk1>
+      <a:lt1>
+        <a:sysClr val="window" lastClr="FFFFFF"/>
+      </a:lt1>
+      <a:dk2>
+        <a:srgbClr val="44546A"/>
+      </a:dk2>
+      <a:lt2>
+        <a:srgbClr val="E7E6E6"/>
+      </a:lt2>
+      <a:accent1>
+        <a:srgbClr val="5B9BD5"/>
+      </a:accent1>
+      <a:accent2>
+        <a:srgbClr val="ED7D31"/>
+      </a:accent2>
+      <a:accent3>
+        <a:srgbClr val="A5A5A5"/>
+      </a:accent3>
+      <a:accent4>
+        <a:srgbClr val="FFC000"/>
+      </a:accent4>
+      <a:accent5>
+        <a:srgbClr val="4472C4"/>
+      </a:accent5>
+      <a:accent6>
+        <a:srgbClr val="70AD47"/>
+      </a:accent6>
+      <a:hlink>
+        <a:srgbClr val="0563C1"/>
+      </a:hlink>
+      <a:folHlink>
+        <a:srgbClr val="954F72"/>
+      </a:folHlink>
+    </a:clrScheme>
+    <a:fontScheme name="Office">
+      <a:majorFont>
+        <a:latin typeface="Calibri Light"/>
+        <a:ea typeface=""/>
+        <a:cs typeface=""/>
+        <a:font script="Jpan" typeface="ＭＳ Ｐゴシック"/>
+        <a:font script="Hang" typeface="맑은 고딕"/>
+        <a:font script="Hans" typeface="宋体"/>
+        <a:font script="Hant" typeface="新細明體"/>
+        <a:font script="Arab" typeface="Times New Roman"/>
+        <a:font script="Hebr" typeface="Times New Roman"/>
+        <a:font script="Thai" typeface="Angsana New"/>
+        <a:font script="Ethi" typeface="Nyala"/>
+        <a:font script="Beng" typeface="Vrinda"/>
+        <a:font script="Gujr" typeface="Shruti"/>
+        <a:font script="Khmr" typeface="MoolBoran"/>
+        <a:font script="Knda" typeface="Tunga"/>
+        <a:font script="Guru" typeface="Raavi"/>
+        <a:font script="Cans" typeface="Euphemia"/>
+        <a:font script="Cher" typeface="Plantagenet Cherokee"/>
+        <a:font script="Yiii" typeface="Microsoft Yi Baiti"/>
+        <a:font script="Tibt" typeface="Microsoft Himalaya"/>
+        <a:font script="Thaa" typeface="MV Boli"/>
+        <a:font script="Deva" typeface="Mangal"/>
+        <a:font script="Telu" typeface="Gautami"/>
+        <a:font script="Taml" typeface="Latha"/>
+        <a:font script="Syrc" typeface="Estrangelo Edessa"/>
+        <a:font script="Orya" typeface="Kalinga"/>
+        <a:font script="Mlym" typeface="Kartika"/>
+        <a:font script="Laoo" typeface="DokChampa"/>
+        <a:font script="Sinh" typeface="Iskoola Pota"/>
+        <a:font script="Mong" typeface="Mongolian Baiti"/>
+        <a:font script="Viet" typeface="Times New Roman"/>
+        <a:font script="Uigh" typeface="Microsoft Uighur"/>
+        <a:font script="Geor" typeface="Sylfaen"/>
+      </a:majorFont>
+      <a:minorFont>
+        <a:latin typeface="Calibri"/>
+        <a:ea typeface=""/>
+        <a:cs typeface=""/>
+        <a:font script="Jpan" typeface="ＭＳ Ｐゴシック"/>
+        <a:font script="Hang" typeface="맑은 고딕"/>
+        <a:font script="Hans" typeface="宋体"/>
+        <a:font script="Hant" typeface="新細明體"/>
+        <a:font script="Arab" typeface="Arial"/>
+        <a:font script="Hebr" typeface="Arial"/>
+        <a:font script="Thai" typeface="Cordia New"/>
+        <a:font script="Ethi" typeface="Nyala"/>
+        <a:font script="Beng" typeface="Vrinda"/>
+        <a:font script="Gujr" typeface="Shruti"/>
+        <a:font script="Khmr" typeface="DaunPenh"/>
+        <a:font script="Knda" typeface="Tunga"/>
+        <a:font script="Guru" typeface="Raavi"/>
+        <a:font script="Cans" typeface="Euphemia"/>
+        <a:font script="Cher" typeface="Plantagenet Cherokee"/>
+        <a:font script="Yiii" typeface="Microsoft Yi Baiti"/>
+        <a:font script="Tibt" typeface="Microsoft Himalaya"/>
+        <a:font script="Thaa" typeface="MV Boli"/>
+        <a:font script="Deva" typeface="Mangal"/>
+        <a:font script="Telu" typeface="Gautami"/>
+        <a:font script="Taml" typeface="Latha"/>
+        <a:font script="Syrc" typeface="Estrangelo Edessa"/>
+        <a:font script="Orya" typeface="Kalinga"/>
+        <a:font script="Mlym" typeface="Kartika"/>
+        <a:font script="Laoo" typeface="DokChampa"/>
+        <a:font script="Sinh" typeface="Iskoola Pota"/>
+        <a:font script="Mong" typeface="Mongolian Baiti"/>
+        <a:font script="Viet" typeface="Arial"/>
+        <a:font script="Uigh" typeface="Microsoft Uighur"/>
+        <a:font script="Geor" typeface="Sylfaen"/>
+      </a:minorFont>
+    </a:fontScheme>
+    <a:fmtScheme name="Office">
+      <a:fillStyleLst>
+        <a:solidFill>
+          <a:schemeClr val="phClr"/>
+        </a:solidFill>
+        <a:gradFill rotWithShape="1">
+          <a:gsLst>
+            <a:gs pos="0">
+              <a:schemeClr val="phClr">
+                <a:lumMod val="110000"/>
+                <a:satMod val="105000"/>
+                <a:tint val="67000"/>
+              </a:schemeClr>
+            </a:gs>
+            <a:gs pos="50000">
+              <a:schemeClr val="phClr">
+                <a:lumMod val="105000"/>
+                <a:satMod val="103000"/>
+                <a:tint val="73000"/>
+              </a:schemeClr>
+            </a:gs>
+            <a:gs pos="100000">
+              <a:schemeClr val="phClr">
+                <a:lumMod val="105000"/>
+                <a:satMod val="109000"/>
+                <a:tint val="81000"/>
+              </a:schemeClr>
+            </a:gs>
+          </a:gsLst>
+          <a:lin ang="5400000" scaled="0"/>
+        </a:gradFill>
+        <a:gradFill rotWithShape="1">
+          <a:gsLst>
+            <a:gs pos="0">
+              <a:schemeClr val="phClr">
+                <a:satMod val="103000"/>
+                <a:lumMod val="102000"/>
+                <a:tint val="94000"/>
+              </a:schemeClr>
+            </a:gs>
+            <a:gs pos="50000">
+              <a:schemeClr val="phClr">
+                <a:satMod val="110000"/>
+                <a:lumMod val="100000"/>
+                <a:shade val="100000"/>
+              </a:schemeClr>
+            </a:gs>
+            <a:gs pos="100000">
+              <a:schemeClr val="phClr">
+                <a:lumMod val="99000"/>
+                <a:satMod val="120000"/>
+                <a:shade val="78000"/>
+              </a:schemeClr>
+            </a:gs>
+          </a:gsLst>
+          <a:lin ang="5400000" scaled="0"/>
+        </a:gradFill>
+      </a:fillStyleLst>
+      <a:lnStyleLst>
+        <a:ln w="6350" cap="flat" cmpd="sng" algn="ctr">
+          <a:solidFill>
+            <a:schemeClr val="phClr"/>
+          </a:solidFill>
+          <a:prstDash val="solid"/>
+          <a:miter lim="800000"/>
+        </a:ln>
+        <a:ln w="12700" cap="flat" cmpd="sng" algn="ctr">
+          <a:solidFill>
+            <a:schemeClr val="phClr"/>
+          </a:solidFill>
+          <a:prstDash val="solid"/>
+          <a:miter lim="800000"/>
+        </a:ln>
+        <a:ln w="19050" cap="flat" cmpd="sng" algn="ctr">
+          <a:solidFill>
+            <a:schemeClr val="phClr"/>
+          </a:solidFill>
+          <a:prstDash val="solid"/>
+          <a:miter lim="800000"/>
+        </a:ln>
+      </a:lnStyleLst>
+      <a:effectStyleLst>
+        <a:effectStyle>
+          <a:effectLst/>
+        </a:effectStyle>
+        <a:effectStyle>
+          <a:effectLst/>
+        </a:effectStyle>
+        <a:effectStyle>
+          <a:effectLst>
+            <a:outerShdw blurRad="57150" dist="19050" dir="5400000" algn="ctr" rotWithShape="0">
+              <a:srgbClr val="000000">
+                <a:alpha val="63000"/>
+              </a:srgbClr>
+            </a:outerShdw>
+          </a:effectLst>
+        </a:effectStyle>
+      </a:effectStyleLst>
+      <a:bgFillStyleLst>
+        <a:solidFill>
+          <a:schemeClr val="phClr"/>
+        </a:solidFill>
+        <a:solidFill>
+          <a:schemeClr val="phClr">
+            <a:tint val="95000"/>
+            <a:satMod val="170000"/>
+          </a:schemeClr>
+        </a:solidFill>
+        <a:gradFill rotWithShape="1">
+          <a:gsLst>
+            <a:gs pos="0">
+              <a:schemeClr val="phClr">
+                <a:tint val="93000"/>
+                <a:satMod val="150000"/>
+                <a:shade val="98000"/>
+                <a:lumMod val="102000"/>
+              </a:schemeClr>
+            </a:gs>
+            <a:gs pos="50000">
+              <a:schemeClr val="phClr">
+                <a:tint val="98000"/>
+                <a:satMod val="130000"/>
+                <a:shade val="90000"/>
+                <a:lumMod val="103000"/>
+              </a:schemeClr>
+            </a:gs>
+            <a:gs pos="100000">
+              <a:schemeClr val="phClr">
+                <a:shade val="63000"/>
+                <a:satMod val="120000"/>
+              </a:schemeClr>
+            </a:gs>
+          </a:gsLst>
+          <a:lin ang="5400000" scaled="0"/>
+        </a:gradFill>
+      </a:bgFillStyleLst>
+    </a:fmtScheme>
+  </a:themeElements>
+  <a:extLst>
+    <a:ext uri="{05A4C25C-085E-4340-85A3-A5531E510DB2}">
+      <thm15:themeFamily xmlns:thm15="http://schemas.microsoft.com/office/thememl/2012/main" name="Office Theme" id="{62F939B6-93AF-4DB8-9C6B-D6C7DFDC589F}" vid="{4A3C46E8-61CC-4603-A589-7422A47A8E4A}"/>
     </a:ext>
   </a:extLst>
 </a:theme>
